--- a/satellite/connector/src/slides.pptx
+++ b/satellite/connector/src/slides.pptx
@@ -6396,6 +6396,734 @@
       </p:sp>
       <p:sp>
         <p:nvSpPr>
+          <p:cNvPr id="31" name="Rounded Rectangle 30">
+            <a:extLst>
+              <a:ext uri="{FF2B5EF4-FFF2-40B4-BE49-F238E27FC236}">
+                <a16:creationId xmlns:a16="http://schemas.microsoft.com/office/drawing/2014/main" id="{7DBABFFA-8F31-DCBF-27F3-7BA3FE02FF7C}"/>
+              </a:ext>
+            </a:extLst>
+          </p:cNvPr>
+          <p:cNvSpPr/>
+          <p:nvPr/>
+        </p:nvSpPr>
+        <p:spPr>
+          <a:xfrm>
+            <a:off x="6630118" y="1072649"/>
+            <a:ext cx="3875509" cy="3857542"/>
+          </a:xfrm>
+          <a:prstGeom prst="roundRect">
+            <a:avLst/>
+          </a:prstGeom>
+          <a:solidFill>
+            <a:schemeClr val="bg1"/>
+          </a:solidFill>
+        </p:spPr>
+        <p:style>
+          <a:lnRef idx="2">
+            <a:schemeClr val="accent1">
+              <a:shade val="15000"/>
+            </a:schemeClr>
+          </a:lnRef>
+          <a:fillRef idx="1">
+            <a:schemeClr val="accent1"/>
+          </a:fillRef>
+          <a:effectRef idx="0">
+            <a:schemeClr val="accent1"/>
+          </a:effectRef>
+          <a:fontRef idx="minor">
+            <a:schemeClr val="lt1"/>
+          </a:fontRef>
+        </p:style>
+        <p:txBody>
+          <a:bodyPr rtlCol="0" anchor="ctr"/>
+          <a:lstStyle/>
+          <a:p>
+            <a:pPr algn="ctr"/>
+            <a:endParaRPr lang="en-FR" dirty="0"/>
+          </a:p>
+        </p:txBody>
+      </p:sp>
+      <p:sp>
+        <p:nvSpPr>
+          <p:cNvPr id="32" name="TextBox 31">
+            <a:extLst>
+              <a:ext uri="{FF2B5EF4-FFF2-40B4-BE49-F238E27FC236}">
+                <a16:creationId xmlns:a16="http://schemas.microsoft.com/office/drawing/2014/main" id="{7B827311-6083-C09C-6813-EE934803687E}"/>
+              </a:ext>
+            </a:extLst>
+          </p:cNvPr>
+          <p:cNvSpPr txBox="1"/>
+          <p:nvPr/>
+        </p:nvSpPr>
+        <p:spPr>
+          <a:xfrm>
+            <a:off x="6897495" y="1166492"/>
+            <a:ext cx="1993623" cy="276999"/>
+          </a:xfrm>
+          <a:prstGeom prst="rect">
+            <a:avLst/>
+          </a:prstGeom>
+          <a:noFill/>
+        </p:spPr>
+        <p:txBody>
+          <a:bodyPr wrap="none" rtlCol="0">
+            <a:spAutoFit/>
+          </a:bodyPr>
+          <a:lstStyle/>
+          <a:p>
+            <a:r>
+              <a:rPr lang="en-FR" sz="1200" dirty="0"/>
+              <a:t>Client’s IBM Cloud account</a:t>
+            </a:r>
+          </a:p>
+        </p:txBody>
+      </p:sp>
+      <p:sp>
+        <p:nvSpPr>
+          <p:cNvPr id="33" name="Rounded Rectangle 32">
+            <a:extLst>
+              <a:ext uri="{FF2B5EF4-FFF2-40B4-BE49-F238E27FC236}">
+                <a16:creationId xmlns:a16="http://schemas.microsoft.com/office/drawing/2014/main" id="{79ECEFC5-9E6F-99BC-41E5-6A8D4187B455}"/>
+              </a:ext>
+            </a:extLst>
+          </p:cNvPr>
+          <p:cNvSpPr/>
+          <p:nvPr/>
+        </p:nvSpPr>
+        <p:spPr>
+          <a:xfrm>
+            <a:off x="6926680" y="2449584"/>
+            <a:ext cx="3314347" cy="2322994"/>
+          </a:xfrm>
+          <a:prstGeom prst="roundRect">
+            <a:avLst/>
+          </a:prstGeom>
+          <a:solidFill>
+            <a:schemeClr val="bg1"/>
+          </a:solidFill>
+        </p:spPr>
+        <p:style>
+          <a:lnRef idx="2">
+            <a:schemeClr val="accent1">
+              <a:shade val="15000"/>
+            </a:schemeClr>
+          </a:lnRef>
+          <a:fillRef idx="1">
+            <a:schemeClr val="accent1"/>
+          </a:fillRef>
+          <a:effectRef idx="0">
+            <a:schemeClr val="accent1"/>
+          </a:effectRef>
+          <a:fontRef idx="minor">
+            <a:schemeClr val="lt1"/>
+          </a:fontRef>
+        </p:style>
+        <p:txBody>
+          <a:bodyPr rtlCol="0" anchor="ctr"/>
+          <a:lstStyle/>
+          <a:p>
+            <a:pPr algn="ctr"/>
+            <a:endParaRPr lang="en-FR" dirty="0"/>
+          </a:p>
+        </p:txBody>
+      </p:sp>
+      <p:sp>
+        <p:nvSpPr>
+          <p:cNvPr id="34" name="TextBox 33">
+            <a:extLst>
+              <a:ext uri="{FF2B5EF4-FFF2-40B4-BE49-F238E27FC236}">
+                <a16:creationId xmlns:a16="http://schemas.microsoft.com/office/drawing/2014/main" id="{92805957-92FD-7D4F-9225-8F54472F6FBA}"/>
+              </a:ext>
+            </a:extLst>
+          </p:cNvPr>
+          <p:cNvSpPr txBox="1"/>
+          <p:nvPr/>
+        </p:nvSpPr>
+        <p:spPr>
+          <a:xfrm>
+            <a:off x="8184454" y="2475957"/>
+            <a:ext cx="673518" cy="461665"/>
+          </a:xfrm>
+          <a:prstGeom prst="rect">
+            <a:avLst/>
+          </a:prstGeom>
+          <a:noFill/>
+        </p:spPr>
+        <p:txBody>
+          <a:bodyPr wrap="none" rtlCol="0">
+            <a:spAutoFit/>
+          </a:bodyPr>
+          <a:lstStyle/>
+          <a:p>
+            <a:pPr algn="ctr"/>
+            <a:r>
+              <a:rPr lang="en-FR" sz="1200" dirty="0"/>
+              <a:t>ROKS</a:t>
+            </a:r>
+          </a:p>
+          <a:p>
+            <a:pPr algn="ctr"/>
+            <a:r>
+              <a:rPr lang="en-FR" sz="1200" dirty="0"/>
+              <a:t>Cluster</a:t>
+            </a:r>
+          </a:p>
+        </p:txBody>
+      </p:sp>
+      <p:sp>
+        <p:nvSpPr>
+          <p:cNvPr id="35" name="Rounded Rectangle 34">
+            <a:extLst>
+              <a:ext uri="{FF2B5EF4-FFF2-40B4-BE49-F238E27FC236}">
+                <a16:creationId xmlns:a16="http://schemas.microsoft.com/office/drawing/2014/main" id="{A8BBF346-97A7-C7C2-B2E3-45E376CCD531}"/>
+              </a:ext>
+            </a:extLst>
+          </p:cNvPr>
+          <p:cNvSpPr/>
+          <p:nvPr/>
+        </p:nvSpPr>
+        <p:spPr>
+          <a:xfrm>
+            <a:off x="7177448" y="3037932"/>
+            <a:ext cx="702352" cy="634051"/>
+          </a:xfrm>
+          <a:prstGeom prst="roundRect">
+            <a:avLst/>
+          </a:prstGeom>
+          <a:solidFill>
+            <a:schemeClr val="accent5">
+              <a:lumMod val="20000"/>
+              <a:lumOff val="80000"/>
+            </a:schemeClr>
+          </a:solidFill>
+        </p:spPr>
+        <p:style>
+          <a:lnRef idx="2">
+            <a:schemeClr val="accent1">
+              <a:shade val="15000"/>
+            </a:schemeClr>
+          </a:lnRef>
+          <a:fillRef idx="1">
+            <a:schemeClr val="accent1"/>
+          </a:fillRef>
+          <a:effectRef idx="0">
+            <a:schemeClr val="accent1"/>
+          </a:effectRef>
+          <a:fontRef idx="minor">
+            <a:schemeClr val="lt1"/>
+          </a:fontRef>
+        </p:style>
+        <p:txBody>
+          <a:bodyPr rtlCol="0" anchor="ctr"/>
+          <a:lstStyle/>
+          <a:p>
+            <a:pPr algn="ctr"/>
+            <a:endParaRPr lang="en-FR" dirty="0"/>
+          </a:p>
+        </p:txBody>
+      </p:sp>
+      <p:sp>
+        <p:nvSpPr>
+          <p:cNvPr id="36" name="TextBox 35">
+            <a:extLst>
+              <a:ext uri="{FF2B5EF4-FFF2-40B4-BE49-F238E27FC236}">
+                <a16:creationId xmlns:a16="http://schemas.microsoft.com/office/drawing/2014/main" id="{1CB14D10-9440-3C51-53AF-631B1BAE0173}"/>
+              </a:ext>
+            </a:extLst>
+          </p:cNvPr>
+          <p:cNvSpPr txBox="1"/>
+          <p:nvPr/>
+        </p:nvSpPr>
+        <p:spPr>
+          <a:xfrm>
+            <a:off x="7058065" y="3728172"/>
+            <a:ext cx="892424" cy="646331"/>
+          </a:xfrm>
+          <a:prstGeom prst="rect">
+            <a:avLst/>
+          </a:prstGeom>
+          <a:noFill/>
+        </p:spPr>
+        <p:txBody>
+          <a:bodyPr wrap="none" rtlCol="0">
+            <a:spAutoFit/>
+          </a:bodyPr>
+          <a:lstStyle/>
+          <a:p>
+            <a:pPr algn="ctr"/>
+            <a:r>
+              <a:rPr lang="en-FR" sz="1200" dirty="0"/>
+              <a:t>Satellite</a:t>
+            </a:r>
+          </a:p>
+          <a:p>
+            <a:pPr algn="ctr"/>
+            <a:r>
+              <a:rPr lang="en-FR" sz="1200" dirty="0"/>
+              <a:t>Connector</a:t>
+            </a:r>
+          </a:p>
+          <a:p>
+            <a:pPr algn="ctr"/>
+            <a:r>
+              <a:rPr lang="en-FR" sz="1200" dirty="0"/>
+              <a:t>agent</a:t>
+            </a:r>
+          </a:p>
+        </p:txBody>
+      </p:sp>
+      <p:cxnSp>
+        <p:nvCxnSpPr>
+          <p:cNvPr id="43" name="Straight Arrow Connector 42">
+            <a:extLst>
+              <a:ext uri="{FF2B5EF4-FFF2-40B4-BE49-F238E27FC236}">
+                <a16:creationId xmlns:a16="http://schemas.microsoft.com/office/drawing/2014/main" id="{3B6ED00C-8528-3456-6DA4-F69F4126FC9F}"/>
+              </a:ext>
+            </a:extLst>
+          </p:cNvPr>
+          <p:cNvCxnSpPr>
+            <a:cxnSpLocks/>
+            <a:stCxn id="2" idx="3"/>
+            <a:endCxn id="27" idx="1"/>
+          </p:cNvCxnSpPr>
+          <p:nvPr/>
+        </p:nvCxnSpPr>
+        <p:spPr>
+          <a:xfrm flipV="1">
+            <a:off x="2758569" y="2255621"/>
+            <a:ext cx="1238184" cy="795645"/>
+          </a:xfrm>
+          <a:prstGeom prst="straightConnector1">
+            <a:avLst/>
+          </a:prstGeom>
+          <a:ln>
+            <a:tailEnd type="triangle"/>
+          </a:ln>
+        </p:spPr>
+        <p:style>
+          <a:lnRef idx="2">
+            <a:schemeClr val="accent1"/>
+          </a:lnRef>
+          <a:fillRef idx="0">
+            <a:schemeClr val="accent1"/>
+          </a:fillRef>
+          <a:effectRef idx="1">
+            <a:schemeClr val="accent1"/>
+          </a:effectRef>
+          <a:fontRef idx="minor">
+            <a:schemeClr val="tx1"/>
+          </a:fontRef>
+        </p:style>
+      </p:cxnSp>
+      <p:cxnSp>
+        <p:nvCxnSpPr>
+          <p:cNvPr id="64" name="Straight Arrow Connector 63">
+            <a:extLst>
+              <a:ext uri="{FF2B5EF4-FFF2-40B4-BE49-F238E27FC236}">
+                <a16:creationId xmlns:a16="http://schemas.microsoft.com/office/drawing/2014/main" id="{2E1C7544-79ED-322B-3C19-3F24F35691D7}"/>
+              </a:ext>
+            </a:extLst>
+          </p:cNvPr>
+          <p:cNvCxnSpPr>
+            <a:cxnSpLocks/>
+            <a:endCxn id="3" idx="1"/>
+          </p:cNvCxnSpPr>
+          <p:nvPr/>
+        </p:nvCxnSpPr>
+        <p:spPr>
+          <a:xfrm>
+            <a:off x="7879800" y="3354956"/>
+            <a:ext cx="1067273" cy="2"/>
+          </a:xfrm>
+          <a:prstGeom prst="straightConnector1">
+            <a:avLst/>
+          </a:prstGeom>
+          <a:ln>
+            <a:tailEnd type="triangle"/>
+          </a:ln>
+        </p:spPr>
+        <p:style>
+          <a:lnRef idx="2">
+            <a:schemeClr val="accent1"/>
+          </a:lnRef>
+          <a:fillRef idx="0">
+            <a:schemeClr val="accent1"/>
+          </a:fillRef>
+          <a:effectRef idx="1">
+            <a:schemeClr val="accent1"/>
+          </a:effectRef>
+          <a:fontRef idx="minor">
+            <a:schemeClr val="tx1"/>
+          </a:fontRef>
+        </p:style>
+      </p:cxnSp>
+      <p:pic>
+        <p:nvPicPr>
+          <p:cNvPr id="2" name="Picture 1">
+            <a:extLst>
+              <a:ext uri="{FF2B5EF4-FFF2-40B4-BE49-F238E27FC236}">
+                <a16:creationId xmlns:a16="http://schemas.microsoft.com/office/drawing/2014/main" id="{B3B58B90-9E20-FEA9-4753-0356ABD05C85}"/>
+              </a:ext>
+            </a:extLst>
+          </p:cNvPr>
+          <p:cNvPicPr>
+            <a:picLocks noChangeAspect="1"/>
+          </p:cNvPicPr>
+          <p:nvPr/>
+        </p:nvPicPr>
+        <p:blipFill>
+          <a:blip r:embed="rId2"/>
+          <a:stretch>
+            <a:fillRect/>
+          </a:stretch>
+        </p:blipFill>
+        <p:spPr>
+          <a:xfrm>
+            <a:off x="1526693" y="2143567"/>
+            <a:ext cx="1231876" cy="1815397"/>
+          </a:xfrm>
+          <a:prstGeom prst="rect">
+            <a:avLst/>
+          </a:prstGeom>
+        </p:spPr>
+      </p:pic>
+      <p:sp>
+        <p:nvSpPr>
+          <p:cNvPr id="3" name="Rounded Rectangle 2">
+            <a:extLst>
+              <a:ext uri="{FF2B5EF4-FFF2-40B4-BE49-F238E27FC236}">
+                <a16:creationId xmlns:a16="http://schemas.microsoft.com/office/drawing/2014/main" id="{215B5439-EF64-AC6C-9DB8-799E4CE86134}"/>
+              </a:ext>
+            </a:extLst>
+          </p:cNvPr>
+          <p:cNvSpPr/>
+          <p:nvPr/>
+        </p:nvSpPr>
+        <p:spPr>
+          <a:xfrm>
+            <a:off x="8947073" y="3037932"/>
+            <a:ext cx="702352" cy="634051"/>
+          </a:xfrm>
+          <a:prstGeom prst="roundRect">
+            <a:avLst/>
+          </a:prstGeom>
+          <a:solidFill>
+            <a:schemeClr val="accent2">
+              <a:lumMod val="20000"/>
+              <a:lumOff val="80000"/>
+            </a:schemeClr>
+          </a:solidFill>
+        </p:spPr>
+        <p:style>
+          <a:lnRef idx="2">
+            <a:schemeClr val="accent1">
+              <a:shade val="15000"/>
+            </a:schemeClr>
+          </a:lnRef>
+          <a:fillRef idx="1">
+            <a:schemeClr val="accent1"/>
+          </a:fillRef>
+          <a:effectRef idx="0">
+            <a:schemeClr val="accent1"/>
+          </a:effectRef>
+          <a:fontRef idx="minor">
+            <a:schemeClr val="lt1"/>
+          </a:fontRef>
+        </p:style>
+        <p:txBody>
+          <a:bodyPr rtlCol="0" anchor="ctr"/>
+          <a:lstStyle/>
+          <a:p>
+            <a:pPr algn="ctr"/>
+            <a:endParaRPr lang="en-FR" dirty="0"/>
+          </a:p>
+        </p:txBody>
+      </p:sp>
+      <p:sp>
+        <p:nvSpPr>
+          <p:cNvPr id="4" name="TextBox 3">
+            <a:extLst>
+              <a:ext uri="{FF2B5EF4-FFF2-40B4-BE49-F238E27FC236}">
+                <a16:creationId xmlns:a16="http://schemas.microsoft.com/office/drawing/2014/main" id="{74A23994-87AC-C885-EF65-5D9DE0EA5B1E}"/>
+              </a:ext>
+            </a:extLst>
+          </p:cNvPr>
+          <p:cNvSpPr txBox="1"/>
+          <p:nvPr/>
+        </p:nvSpPr>
+        <p:spPr>
+          <a:xfrm>
+            <a:off x="8653498" y="3685094"/>
+            <a:ext cx="1257075" cy="830997"/>
+          </a:xfrm>
+          <a:prstGeom prst="rect">
+            <a:avLst/>
+          </a:prstGeom>
+          <a:noFill/>
+        </p:spPr>
+        <p:txBody>
+          <a:bodyPr wrap="none" rtlCol="0">
+            <a:spAutoFit/>
+          </a:bodyPr>
+          <a:lstStyle/>
+          <a:p>
+            <a:pPr algn="ctr"/>
+            <a:r>
+              <a:rPr lang="en-FR" sz="1200" dirty="0"/>
+              <a:t>ACE</a:t>
+            </a:r>
+          </a:p>
+          <a:p>
+            <a:pPr algn="ctr"/>
+            <a:r>
+              <a:rPr lang="en-GB" sz="1200" i="1" dirty="0"/>
+              <a:t>B</a:t>
+            </a:r>
+            <a:r>
+              <a:rPr lang="en-FR" sz="1200" i="1" dirty="0"/>
+              <a:t>ackend</a:t>
+            </a:r>
+          </a:p>
+          <a:p>
+            <a:pPr algn="ctr"/>
+            <a:r>
+              <a:rPr lang="en-FR" sz="1200" i="1" dirty="0"/>
+              <a:t>Application</a:t>
+            </a:r>
+          </a:p>
+          <a:p>
+            <a:pPr algn="ctr"/>
+            <a:r>
+              <a:rPr lang="en-FR" sz="1200" dirty="0"/>
+              <a:t>10.20.30.40:443</a:t>
+            </a:r>
+          </a:p>
+        </p:txBody>
+      </p:sp>
+      <p:sp>
+        <p:nvSpPr>
+          <p:cNvPr id="12" name="TextBox 11">
+            <a:extLst>
+              <a:ext uri="{FF2B5EF4-FFF2-40B4-BE49-F238E27FC236}">
+                <a16:creationId xmlns:a16="http://schemas.microsoft.com/office/drawing/2014/main" id="{08347DA2-70CD-7945-A788-D0FF3BC52F59}"/>
+              </a:ext>
+            </a:extLst>
+          </p:cNvPr>
+          <p:cNvSpPr txBox="1"/>
+          <p:nvPr/>
+        </p:nvSpPr>
+        <p:spPr>
+          <a:xfrm>
+            <a:off x="1271837" y="5422498"/>
+            <a:ext cx="10029349" cy="830997"/>
+          </a:xfrm>
+          <a:prstGeom prst="rect">
+            <a:avLst/>
+          </a:prstGeom>
+          <a:noFill/>
+        </p:spPr>
+        <p:txBody>
+          <a:bodyPr wrap="none" rtlCol="0">
+            <a:spAutoFit/>
+          </a:bodyPr>
+          <a:lstStyle/>
+          <a:p>
+            <a:r>
+              <a:rPr lang="en-GB" sz="1600" dirty="0"/>
+              <a:t>APIC RI uses service endpoint c-&lt;XX&gt;.private.&lt;region&gt;.</a:t>
+            </a:r>
+            <a:r>
+              <a:rPr lang="en-GB" sz="1600" dirty="0" err="1"/>
+              <a:t>link.satellite.cloud.ibm.com</a:t>
+            </a:r>
+            <a:r>
+              <a:rPr lang="en-GB" sz="1600" dirty="0"/>
+              <a:t>:&lt;port&gt; </a:t>
+            </a:r>
+          </a:p>
+          <a:p>
+            <a:r>
+              <a:rPr lang="en-GB" sz="1600" dirty="0"/>
+              <a:t>generated by the </a:t>
+            </a:r>
+            <a:r>
+              <a:rPr lang="en-GB" sz="1600" b="1" dirty="0"/>
+              <a:t>Satellite Connector User Endpoint </a:t>
+            </a:r>
+            <a:r>
+              <a:rPr lang="en-GB" sz="1600" dirty="0"/>
+              <a:t>which matches the </a:t>
+            </a:r>
+            <a:r>
+              <a:rPr lang="en-GB" sz="1600" i="1" dirty="0"/>
+              <a:t>Backend Application </a:t>
+            </a:r>
+            <a:r>
+              <a:rPr lang="en-GB" sz="1600" dirty="0"/>
+              <a:t>: 10.20.30.40:443</a:t>
+            </a:r>
+          </a:p>
+          <a:p>
+            <a:r>
+              <a:rPr lang="en-GB" sz="1600" dirty="0"/>
+              <a:t>The </a:t>
+            </a:r>
+            <a:r>
+              <a:rPr lang="en-GB" sz="1600" b="1" dirty="0"/>
+              <a:t>Satellite Connector User Endpoint</a:t>
+            </a:r>
+            <a:r>
+              <a:rPr lang="en-GB" sz="1600" dirty="0"/>
+              <a:t>’s ACL rule contains IP address of the DataPower Gateway</a:t>
+            </a:r>
+            <a:endParaRPr lang="en-FR" sz="1600" dirty="0"/>
+          </a:p>
+        </p:txBody>
+      </p:sp>
+      <p:sp>
+        <p:nvSpPr>
+          <p:cNvPr id="13" name="Rounded Rectangle 12">
+            <a:extLst>
+              <a:ext uri="{FF2B5EF4-FFF2-40B4-BE49-F238E27FC236}">
+                <a16:creationId xmlns:a16="http://schemas.microsoft.com/office/drawing/2014/main" id="{F61588A1-4BE3-3CC7-EACB-28C1AF8497F2}"/>
+              </a:ext>
+            </a:extLst>
+          </p:cNvPr>
+          <p:cNvSpPr/>
+          <p:nvPr/>
+        </p:nvSpPr>
+        <p:spPr>
+          <a:xfrm>
+            <a:off x="7163004" y="1658497"/>
+            <a:ext cx="702352" cy="589292"/>
+          </a:xfrm>
+          <a:prstGeom prst="roundRect">
+            <a:avLst/>
+          </a:prstGeom>
+          <a:solidFill>
+            <a:schemeClr val="accent6">
+              <a:lumMod val="20000"/>
+              <a:lumOff val="80000"/>
+            </a:schemeClr>
+          </a:solidFill>
+        </p:spPr>
+        <p:style>
+          <a:lnRef idx="2">
+            <a:schemeClr val="accent1">
+              <a:shade val="15000"/>
+            </a:schemeClr>
+          </a:lnRef>
+          <a:fillRef idx="1">
+            <a:schemeClr val="accent1"/>
+          </a:fillRef>
+          <a:effectRef idx="0">
+            <a:schemeClr val="accent1"/>
+          </a:effectRef>
+          <a:fontRef idx="minor">
+            <a:schemeClr val="lt1"/>
+          </a:fontRef>
+        </p:style>
+        <p:txBody>
+          <a:bodyPr rtlCol="0" anchor="ctr"/>
+          <a:lstStyle/>
+          <a:p>
+            <a:pPr algn="ctr"/>
+            <a:endParaRPr lang="en-FR" dirty="0"/>
+          </a:p>
+        </p:txBody>
+      </p:sp>
+      <p:sp>
+        <p:nvSpPr>
+          <p:cNvPr id="18" name="TextBox 17">
+            <a:extLst>
+              <a:ext uri="{FF2B5EF4-FFF2-40B4-BE49-F238E27FC236}">
+                <a16:creationId xmlns:a16="http://schemas.microsoft.com/office/drawing/2014/main" id="{93B0983B-22BA-F03D-CA5F-FCCBCF7CCCC3}"/>
+              </a:ext>
+            </a:extLst>
+          </p:cNvPr>
+          <p:cNvSpPr txBox="1"/>
+          <p:nvPr/>
+        </p:nvSpPr>
+        <p:spPr>
+          <a:xfrm>
+            <a:off x="7804417" y="1675148"/>
+            <a:ext cx="2569358" cy="461665"/>
+          </a:xfrm>
+          <a:prstGeom prst="rect">
+            <a:avLst/>
+          </a:prstGeom>
+          <a:noFill/>
+        </p:spPr>
+        <p:txBody>
+          <a:bodyPr wrap="none" rtlCol="0">
+            <a:spAutoFit/>
+          </a:bodyPr>
+          <a:lstStyle/>
+          <a:p>
+            <a:r>
+              <a:rPr lang="en-FR" sz="1200" dirty="0"/>
+              <a:t>Satellite Connector</a:t>
+            </a:r>
+          </a:p>
+          <a:p>
+            <a:r>
+              <a:rPr lang="en-FR" sz="1200" b="1" dirty="0"/>
+              <a:t>Satellite Connector User Endpoint</a:t>
+            </a:r>
+          </a:p>
+        </p:txBody>
+      </p:sp>
+      <p:sp>
+        <p:nvSpPr>
+          <p:cNvPr id="30" name="Cloud 29">
+            <a:extLst>
+              <a:ext uri="{FF2B5EF4-FFF2-40B4-BE49-F238E27FC236}">
+                <a16:creationId xmlns:a16="http://schemas.microsoft.com/office/drawing/2014/main" id="{F50F9108-29D6-598F-C3E3-2B647C4B6C82}"/>
+              </a:ext>
+            </a:extLst>
+          </p:cNvPr>
+          <p:cNvSpPr/>
+          <p:nvPr/>
+        </p:nvSpPr>
+        <p:spPr>
+          <a:xfrm>
+            <a:off x="5256349" y="1888554"/>
+            <a:ext cx="1032466" cy="816962"/>
+          </a:xfrm>
+          <a:prstGeom prst="cloud">
+            <a:avLst/>
+          </a:prstGeom>
+          <a:solidFill>
+            <a:schemeClr val="bg1"/>
+          </a:solidFill>
+        </p:spPr>
+        <p:style>
+          <a:lnRef idx="2">
+            <a:schemeClr val="accent1">
+              <a:shade val="15000"/>
+            </a:schemeClr>
+          </a:lnRef>
+          <a:fillRef idx="1">
+            <a:schemeClr val="accent1"/>
+          </a:fillRef>
+          <a:effectRef idx="0">
+            <a:schemeClr val="accent1"/>
+          </a:effectRef>
+          <a:fontRef idx="minor">
+            <a:schemeClr val="lt1"/>
+          </a:fontRef>
+        </p:style>
+        <p:txBody>
+          <a:bodyPr rtlCol="0" anchor="ctr"/>
+          <a:lstStyle/>
+          <a:p>
+            <a:pPr algn="ctr"/>
+            <a:endParaRPr lang="en-FR"/>
+          </a:p>
+        </p:txBody>
+      </p:sp>
+      <p:sp>
+        <p:nvSpPr>
           <p:cNvPr id="29" name="TextBox 28">
             <a:extLst>
               <a:ext uri="{FF2B5EF4-FFF2-40B4-BE49-F238E27FC236}">
@@ -6436,327 +7164,6 @@
           </a:p>
         </p:txBody>
       </p:sp>
-      <p:sp>
-        <p:nvSpPr>
-          <p:cNvPr id="31" name="Rounded Rectangle 30">
-            <a:extLst>
-              <a:ext uri="{FF2B5EF4-FFF2-40B4-BE49-F238E27FC236}">
-                <a16:creationId xmlns:a16="http://schemas.microsoft.com/office/drawing/2014/main" id="{7DBABFFA-8F31-DCBF-27F3-7BA3FE02FF7C}"/>
-              </a:ext>
-            </a:extLst>
-          </p:cNvPr>
-          <p:cNvSpPr/>
-          <p:nvPr/>
-        </p:nvSpPr>
-        <p:spPr>
-          <a:xfrm>
-            <a:off x="6630118" y="1072649"/>
-            <a:ext cx="3875509" cy="3857542"/>
-          </a:xfrm>
-          <a:prstGeom prst="roundRect">
-            <a:avLst/>
-          </a:prstGeom>
-          <a:solidFill>
-            <a:schemeClr val="bg1"/>
-          </a:solidFill>
-        </p:spPr>
-        <p:style>
-          <a:lnRef idx="2">
-            <a:schemeClr val="accent1">
-              <a:shade val="15000"/>
-            </a:schemeClr>
-          </a:lnRef>
-          <a:fillRef idx="1">
-            <a:schemeClr val="accent1"/>
-          </a:fillRef>
-          <a:effectRef idx="0">
-            <a:schemeClr val="accent1"/>
-          </a:effectRef>
-          <a:fontRef idx="minor">
-            <a:schemeClr val="lt1"/>
-          </a:fontRef>
-        </p:style>
-        <p:txBody>
-          <a:bodyPr rtlCol="0" anchor="ctr"/>
-          <a:lstStyle/>
-          <a:p>
-            <a:pPr algn="ctr"/>
-            <a:endParaRPr lang="en-FR" dirty="0"/>
-          </a:p>
-        </p:txBody>
-      </p:sp>
-      <p:sp>
-        <p:nvSpPr>
-          <p:cNvPr id="32" name="TextBox 31">
-            <a:extLst>
-              <a:ext uri="{FF2B5EF4-FFF2-40B4-BE49-F238E27FC236}">
-                <a16:creationId xmlns:a16="http://schemas.microsoft.com/office/drawing/2014/main" id="{7B827311-6083-C09C-6813-EE934803687E}"/>
-              </a:ext>
-            </a:extLst>
-          </p:cNvPr>
-          <p:cNvSpPr txBox="1"/>
-          <p:nvPr/>
-        </p:nvSpPr>
-        <p:spPr>
-          <a:xfrm>
-            <a:off x="6897495" y="1166492"/>
-            <a:ext cx="1993623" cy="276999"/>
-          </a:xfrm>
-          <a:prstGeom prst="rect">
-            <a:avLst/>
-          </a:prstGeom>
-          <a:noFill/>
-        </p:spPr>
-        <p:txBody>
-          <a:bodyPr wrap="none" rtlCol="0">
-            <a:spAutoFit/>
-          </a:bodyPr>
-          <a:lstStyle/>
-          <a:p>
-            <a:r>
-              <a:rPr lang="en-FR" sz="1200" dirty="0"/>
-              <a:t>Client’s IBM Cloud account</a:t>
-            </a:r>
-          </a:p>
-        </p:txBody>
-      </p:sp>
-      <p:sp>
-        <p:nvSpPr>
-          <p:cNvPr id="33" name="Rounded Rectangle 32">
-            <a:extLst>
-              <a:ext uri="{FF2B5EF4-FFF2-40B4-BE49-F238E27FC236}">
-                <a16:creationId xmlns:a16="http://schemas.microsoft.com/office/drawing/2014/main" id="{79ECEFC5-9E6F-99BC-41E5-6A8D4187B455}"/>
-              </a:ext>
-            </a:extLst>
-          </p:cNvPr>
-          <p:cNvSpPr/>
-          <p:nvPr/>
-        </p:nvSpPr>
-        <p:spPr>
-          <a:xfrm>
-            <a:off x="6926680" y="2449584"/>
-            <a:ext cx="3314347" cy="2322994"/>
-          </a:xfrm>
-          <a:prstGeom prst="roundRect">
-            <a:avLst/>
-          </a:prstGeom>
-          <a:solidFill>
-            <a:schemeClr val="bg1"/>
-          </a:solidFill>
-        </p:spPr>
-        <p:style>
-          <a:lnRef idx="2">
-            <a:schemeClr val="accent1">
-              <a:shade val="15000"/>
-            </a:schemeClr>
-          </a:lnRef>
-          <a:fillRef idx="1">
-            <a:schemeClr val="accent1"/>
-          </a:fillRef>
-          <a:effectRef idx="0">
-            <a:schemeClr val="accent1"/>
-          </a:effectRef>
-          <a:fontRef idx="minor">
-            <a:schemeClr val="lt1"/>
-          </a:fontRef>
-        </p:style>
-        <p:txBody>
-          <a:bodyPr rtlCol="0" anchor="ctr"/>
-          <a:lstStyle/>
-          <a:p>
-            <a:pPr algn="ctr"/>
-            <a:endParaRPr lang="en-FR" dirty="0"/>
-          </a:p>
-        </p:txBody>
-      </p:sp>
-      <p:sp>
-        <p:nvSpPr>
-          <p:cNvPr id="34" name="TextBox 33">
-            <a:extLst>
-              <a:ext uri="{FF2B5EF4-FFF2-40B4-BE49-F238E27FC236}">
-                <a16:creationId xmlns:a16="http://schemas.microsoft.com/office/drawing/2014/main" id="{92805957-92FD-7D4F-9225-8F54472F6FBA}"/>
-              </a:ext>
-            </a:extLst>
-          </p:cNvPr>
-          <p:cNvSpPr txBox="1"/>
-          <p:nvPr/>
-        </p:nvSpPr>
-        <p:spPr>
-          <a:xfrm>
-            <a:off x="8184454" y="2475957"/>
-            <a:ext cx="673518" cy="461665"/>
-          </a:xfrm>
-          <a:prstGeom prst="rect">
-            <a:avLst/>
-          </a:prstGeom>
-          <a:noFill/>
-        </p:spPr>
-        <p:txBody>
-          <a:bodyPr wrap="none" rtlCol="0">
-            <a:spAutoFit/>
-          </a:bodyPr>
-          <a:lstStyle/>
-          <a:p>
-            <a:pPr algn="ctr"/>
-            <a:r>
-              <a:rPr lang="en-FR" sz="1200" dirty="0"/>
-              <a:t>ROKS</a:t>
-            </a:r>
-          </a:p>
-          <a:p>
-            <a:pPr algn="ctr"/>
-            <a:r>
-              <a:rPr lang="en-FR" sz="1200" dirty="0"/>
-              <a:t>Cluster</a:t>
-            </a:r>
-          </a:p>
-        </p:txBody>
-      </p:sp>
-      <p:sp>
-        <p:nvSpPr>
-          <p:cNvPr id="35" name="Rounded Rectangle 34">
-            <a:extLst>
-              <a:ext uri="{FF2B5EF4-FFF2-40B4-BE49-F238E27FC236}">
-                <a16:creationId xmlns:a16="http://schemas.microsoft.com/office/drawing/2014/main" id="{A8BBF346-97A7-C7C2-B2E3-45E376CCD531}"/>
-              </a:ext>
-            </a:extLst>
-          </p:cNvPr>
-          <p:cNvSpPr/>
-          <p:nvPr/>
-        </p:nvSpPr>
-        <p:spPr>
-          <a:xfrm>
-            <a:off x="7177448" y="3037932"/>
-            <a:ext cx="702352" cy="634051"/>
-          </a:xfrm>
-          <a:prstGeom prst="roundRect">
-            <a:avLst/>
-          </a:prstGeom>
-          <a:solidFill>
-            <a:schemeClr val="accent5">
-              <a:lumMod val="20000"/>
-              <a:lumOff val="80000"/>
-            </a:schemeClr>
-          </a:solidFill>
-        </p:spPr>
-        <p:style>
-          <a:lnRef idx="2">
-            <a:schemeClr val="accent1">
-              <a:shade val="15000"/>
-            </a:schemeClr>
-          </a:lnRef>
-          <a:fillRef idx="1">
-            <a:schemeClr val="accent1"/>
-          </a:fillRef>
-          <a:effectRef idx="0">
-            <a:schemeClr val="accent1"/>
-          </a:effectRef>
-          <a:fontRef idx="minor">
-            <a:schemeClr val="lt1"/>
-          </a:fontRef>
-        </p:style>
-        <p:txBody>
-          <a:bodyPr rtlCol="0" anchor="ctr"/>
-          <a:lstStyle/>
-          <a:p>
-            <a:pPr algn="ctr"/>
-            <a:endParaRPr lang="en-FR" dirty="0"/>
-          </a:p>
-        </p:txBody>
-      </p:sp>
-      <p:sp>
-        <p:nvSpPr>
-          <p:cNvPr id="36" name="TextBox 35">
-            <a:extLst>
-              <a:ext uri="{FF2B5EF4-FFF2-40B4-BE49-F238E27FC236}">
-                <a16:creationId xmlns:a16="http://schemas.microsoft.com/office/drawing/2014/main" id="{1CB14D10-9440-3C51-53AF-631B1BAE0173}"/>
-              </a:ext>
-            </a:extLst>
-          </p:cNvPr>
-          <p:cNvSpPr txBox="1"/>
-          <p:nvPr/>
-        </p:nvSpPr>
-        <p:spPr>
-          <a:xfrm>
-            <a:off x="7058065" y="3728172"/>
-            <a:ext cx="892424" cy="646331"/>
-          </a:xfrm>
-          <a:prstGeom prst="rect">
-            <a:avLst/>
-          </a:prstGeom>
-          <a:noFill/>
-        </p:spPr>
-        <p:txBody>
-          <a:bodyPr wrap="none" rtlCol="0">
-            <a:spAutoFit/>
-          </a:bodyPr>
-          <a:lstStyle/>
-          <a:p>
-            <a:pPr algn="ctr"/>
-            <a:r>
-              <a:rPr lang="en-FR" sz="1200" dirty="0"/>
-              <a:t>Satellite</a:t>
-            </a:r>
-          </a:p>
-          <a:p>
-            <a:pPr algn="ctr"/>
-            <a:r>
-              <a:rPr lang="en-FR" sz="1200" dirty="0"/>
-              <a:t>Connector</a:t>
-            </a:r>
-          </a:p>
-          <a:p>
-            <a:pPr algn="ctr"/>
-            <a:r>
-              <a:rPr lang="en-FR" sz="1200" dirty="0"/>
-              <a:t>agent</a:t>
-            </a:r>
-          </a:p>
-        </p:txBody>
-      </p:sp>
-      <p:cxnSp>
-        <p:nvCxnSpPr>
-          <p:cNvPr id="43" name="Straight Arrow Connector 42">
-            <a:extLst>
-              <a:ext uri="{FF2B5EF4-FFF2-40B4-BE49-F238E27FC236}">
-                <a16:creationId xmlns:a16="http://schemas.microsoft.com/office/drawing/2014/main" id="{3B6ED00C-8528-3456-6DA4-F69F4126FC9F}"/>
-              </a:ext>
-            </a:extLst>
-          </p:cNvPr>
-          <p:cNvCxnSpPr>
-            <a:cxnSpLocks/>
-            <a:stCxn id="2" idx="3"/>
-            <a:endCxn id="27" idx="1"/>
-          </p:cNvCxnSpPr>
-          <p:nvPr/>
-        </p:nvCxnSpPr>
-        <p:spPr>
-          <a:xfrm flipV="1">
-            <a:off x="2758569" y="2255621"/>
-            <a:ext cx="1238184" cy="795645"/>
-          </a:xfrm>
-          <a:prstGeom prst="straightConnector1">
-            <a:avLst/>
-          </a:prstGeom>
-          <a:ln>
-            <a:tailEnd type="triangle"/>
-          </a:ln>
-        </p:spPr>
-        <p:style>
-          <a:lnRef idx="2">
-            <a:schemeClr val="accent1"/>
-          </a:lnRef>
-          <a:fillRef idx="0">
-            <a:schemeClr val="accent1"/>
-          </a:fillRef>
-          <a:effectRef idx="1">
-            <a:schemeClr val="accent1"/>
-          </a:effectRef>
-          <a:fontRef idx="minor">
-            <a:schemeClr val="tx1"/>
-          </a:fontRef>
-        </p:style>
-      </p:cxnSp>
       <p:cxnSp>
         <p:nvCxnSpPr>
           <p:cNvPr id="55" name="Straight Arrow Connector 54">
@@ -6826,6 +7233,7 @@
             </a:avLst>
           </a:prstGeom>
           <a:ln>
+            <a:headEnd type="triangle"/>
             <a:tailEnd type="triangle"/>
           </a:ln>
         </p:spPr>
@@ -6844,364 +7252,6 @@
           </a:fontRef>
         </p:style>
       </p:cxnSp>
-      <p:cxnSp>
-        <p:nvCxnSpPr>
-          <p:cNvPr id="64" name="Straight Arrow Connector 63">
-            <a:extLst>
-              <a:ext uri="{FF2B5EF4-FFF2-40B4-BE49-F238E27FC236}">
-                <a16:creationId xmlns:a16="http://schemas.microsoft.com/office/drawing/2014/main" id="{2E1C7544-79ED-322B-3C19-3F24F35691D7}"/>
-              </a:ext>
-            </a:extLst>
-          </p:cNvPr>
-          <p:cNvCxnSpPr>
-            <a:cxnSpLocks/>
-            <a:endCxn id="3" idx="1"/>
-          </p:cNvCxnSpPr>
-          <p:nvPr/>
-        </p:nvCxnSpPr>
-        <p:spPr>
-          <a:xfrm>
-            <a:off x="7879800" y="3354956"/>
-            <a:ext cx="1067273" cy="2"/>
-          </a:xfrm>
-          <a:prstGeom prst="straightConnector1">
-            <a:avLst/>
-          </a:prstGeom>
-          <a:ln>
-            <a:tailEnd type="triangle"/>
-          </a:ln>
-        </p:spPr>
-        <p:style>
-          <a:lnRef idx="2">
-            <a:schemeClr val="accent1"/>
-          </a:lnRef>
-          <a:fillRef idx="0">
-            <a:schemeClr val="accent1"/>
-          </a:fillRef>
-          <a:effectRef idx="1">
-            <a:schemeClr val="accent1"/>
-          </a:effectRef>
-          <a:fontRef idx="minor">
-            <a:schemeClr val="tx1"/>
-          </a:fontRef>
-        </p:style>
-      </p:cxnSp>
-      <p:pic>
-        <p:nvPicPr>
-          <p:cNvPr id="2" name="Picture 1">
-            <a:extLst>
-              <a:ext uri="{FF2B5EF4-FFF2-40B4-BE49-F238E27FC236}">
-                <a16:creationId xmlns:a16="http://schemas.microsoft.com/office/drawing/2014/main" id="{B3B58B90-9E20-FEA9-4753-0356ABD05C85}"/>
-              </a:ext>
-            </a:extLst>
-          </p:cNvPr>
-          <p:cNvPicPr>
-            <a:picLocks noChangeAspect="1"/>
-          </p:cNvPicPr>
-          <p:nvPr/>
-        </p:nvPicPr>
-        <p:blipFill>
-          <a:blip r:embed="rId2"/>
-          <a:stretch>
-            <a:fillRect/>
-          </a:stretch>
-        </p:blipFill>
-        <p:spPr>
-          <a:xfrm>
-            <a:off x="1526693" y="2143567"/>
-            <a:ext cx="1231876" cy="1815397"/>
-          </a:xfrm>
-          <a:prstGeom prst="rect">
-            <a:avLst/>
-          </a:prstGeom>
-        </p:spPr>
-      </p:pic>
-      <p:sp>
-        <p:nvSpPr>
-          <p:cNvPr id="3" name="Rounded Rectangle 2">
-            <a:extLst>
-              <a:ext uri="{FF2B5EF4-FFF2-40B4-BE49-F238E27FC236}">
-                <a16:creationId xmlns:a16="http://schemas.microsoft.com/office/drawing/2014/main" id="{215B5439-EF64-AC6C-9DB8-799E4CE86134}"/>
-              </a:ext>
-            </a:extLst>
-          </p:cNvPr>
-          <p:cNvSpPr/>
-          <p:nvPr/>
-        </p:nvSpPr>
-        <p:spPr>
-          <a:xfrm>
-            <a:off x="8947073" y="3037932"/>
-            <a:ext cx="702352" cy="634051"/>
-          </a:xfrm>
-          <a:prstGeom prst="roundRect">
-            <a:avLst/>
-          </a:prstGeom>
-          <a:solidFill>
-            <a:schemeClr val="accent2">
-              <a:lumMod val="20000"/>
-              <a:lumOff val="80000"/>
-            </a:schemeClr>
-          </a:solidFill>
-        </p:spPr>
-        <p:style>
-          <a:lnRef idx="2">
-            <a:schemeClr val="accent1">
-              <a:shade val="15000"/>
-            </a:schemeClr>
-          </a:lnRef>
-          <a:fillRef idx="1">
-            <a:schemeClr val="accent1"/>
-          </a:fillRef>
-          <a:effectRef idx="0">
-            <a:schemeClr val="accent1"/>
-          </a:effectRef>
-          <a:fontRef idx="minor">
-            <a:schemeClr val="lt1"/>
-          </a:fontRef>
-        </p:style>
-        <p:txBody>
-          <a:bodyPr rtlCol="0" anchor="ctr"/>
-          <a:lstStyle/>
-          <a:p>
-            <a:pPr algn="ctr"/>
-            <a:endParaRPr lang="en-FR" dirty="0"/>
-          </a:p>
-        </p:txBody>
-      </p:sp>
-      <p:sp>
-        <p:nvSpPr>
-          <p:cNvPr id="4" name="TextBox 3">
-            <a:extLst>
-              <a:ext uri="{FF2B5EF4-FFF2-40B4-BE49-F238E27FC236}">
-                <a16:creationId xmlns:a16="http://schemas.microsoft.com/office/drawing/2014/main" id="{74A23994-87AC-C885-EF65-5D9DE0EA5B1E}"/>
-              </a:ext>
-            </a:extLst>
-          </p:cNvPr>
-          <p:cNvSpPr txBox="1"/>
-          <p:nvPr/>
-        </p:nvSpPr>
-        <p:spPr>
-          <a:xfrm>
-            <a:off x="8653498" y="3685094"/>
-            <a:ext cx="1257075" cy="830997"/>
-          </a:xfrm>
-          <a:prstGeom prst="rect">
-            <a:avLst/>
-          </a:prstGeom>
-          <a:noFill/>
-        </p:spPr>
-        <p:txBody>
-          <a:bodyPr wrap="none" rtlCol="0">
-            <a:spAutoFit/>
-          </a:bodyPr>
-          <a:lstStyle/>
-          <a:p>
-            <a:pPr algn="ctr"/>
-            <a:r>
-              <a:rPr lang="en-FR" sz="1200" dirty="0"/>
-              <a:t>ACE</a:t>
-            </a:r>
-          </a:p>
-          <a:p>
-            <a:pPr algn="ctr"/>
-            <a:r>
-              <a:rPr lang="en-GB" sz="1200" i="1" dirty="0"/>
-              <a:t>B</a:t>
-            </a:r>
-            <a:r>
-              <a:rPr lang="en-FR" sz="1200" i="1" dirty="0"/>
-              <a:t>ackend</a:t>
-            </a:r>
-          </a:p>
-          <a:p>
-            <a:pPr algn="ctr"/>
-            <a:r>
-              <a:rPr lang="en-FR" sz="1200" i="1" dirty="0"/>
-              <a:t>Application</a:t>
-            </a:r>
-          </a:p>
-          <a:p>
-            <a:pPr algn="ctr"/>
-            <a:r>
-              <a:rPr lang="en-FR" sz="1200" dirty="0"/>
-              <a:t>10.20.30.40:443</a:t>
-            </a:r>
-          </a:p>
-        </p:txBody>
-      </p:sp>
-      <p:sp>
-        <p:nvSpPr>
-          <p:cNvPr id="12" name="TextBox 11">
-            <a:extLst>
-              <a:ext uri="{FF2B5EF4-FFF2-40B4-BE49-F238E27FC236}">
-                <a16:creationId xmlns:a16="http://schemas.microsoft.com/office/drawing/2014/main" id="{08347DA2-70CD-7945-A788-D0FF3BC52F59}"/>
-              </a:ext>
-            </a:extLst>
-          </p:cNvPr>
-          <p:cNvSpPr txBox="1"/>
-          <p:nvPr/>
-        </p:nvSpPr>
-        <p:spPr>
-          <a:xfrm>
-            <a:off x="1271837" y="5422498"/>
-            <a:ext cx="10029349" cy="830997"/>
-          </a:xfrm>
-          <a:prstGeom prst="rect">
-            <a:avLst/>
-          </a:prstGeom>
-          <a:noFill/>
-        </p:spPr>
-        <p:txBody>
-          <a:bodyPr wrap="none" rtlCol="0">
-            <a:spAutoFit/>
-          </a:bodyPr>
-          <a:lstStyle/>
-          <a:p>
-            <a:r>
-              <a:rPr lang="en-GB" sz="1600" dirty="0"/>
-              <a:t>APIC RI uses service endpoint c-&lt;XX&gt;.private.&lt;region&gt;.</a:t>
-            </a:r>
-            <a:r>
-              <a:rPr lang="en-GB" sz="1600" dirty="0" err="1"/>
-              <a:t>link.satellite.cloud.ibm.com</a:t>
-            </a:r>
-            <a:r>
-              <a:rPr lang="en-GB" sz="1600" dirty="0"/>
-              <a:t>:&lt;port&gt; </a:t>
-            </a:r>
-          </a:p>
-          <a:p>
-            <a:r>
-              <a:rPr lang="en-GB" sz="1600" dirty="0"/>
-              <a:t>generated by the </a:t>
-            </a:r>
-            <a:r>
-              <a:rPr lang="en-GB" sz="1600" b="1" dirty="0"/>
-              <a:t>Satellite Connector User Endpoint </a:t>
-            </a:r>
-            <a:r>
-              <a:rPr lang="en-GB" sz="1600" dirty="0"/>
-              <a:t>which matches the </a:t>
-            </a:r>
-            <a:r>
-              <a:rPr lang="en-GB" sz="1600" i="1" dirty="0"/>
-              <a:t>Backend Application </a:t>
-            </a:r>
-            <a:r>
-              <a:rPr lang="en-GB" sz="1600" dirty="0"/>
-              <a:t>: 10.20.30.40:443</a:t>
-            </a:r>
-          </a:p>
-          <a:p>
-            <a:r>
-              <a:rPr lang="en-GB" sz="1600" dirty="0"/>
-              <a:t>The </a:t>
-            </a:r>
-            <a:r>
-              <a:rPr lang="en-GB" sz="1600" b="1" dirty="0"/>
-              <a:t>Satellite Connector User Endpoint</a:t>
-            </a:r>
-            <a:r>
-              <a:rPr lang="en-GB" sz="1600" dirty="0"/>
-              <a:t>’s ACL rule contains IP address of the DataPower Gateway</a:t>
-            </a:r>
-            <a:endParaRPr lang="en-FR" sz="1600" dirty="0"/>
-          </a:p>
-        </p:txBody>
-      </p:sp>
-      <p:sp>
-        <p:nvSpPr>
-          <p:cNvPr id="13" name="Rounded Rectangle 12">
-            <a:extLst>
-              <a:ext uri="{FF2B5EF4-FFF2-40B4-BE49-F238E27FC236}">
-                <a16:creationId xmlns:a16="http://schemas.microsoft.com/office/drawing/2014/main" id="{F61588A1-4BE3-3CC7-EACB-28C1AF8497F2}"/>
-              </a:ext>
-            </a:extLst>
-          </p:cNvPr>
-          <p:cNvSpPr/>
-          <p:nvPr/>
-        </p:nvSpPr>
-        <p:spPr>
-          <a:xfrm>
-            <a:off x="7163004" y="1658497"/>
-            <a:ext cx="702352" cy="589292"/>
-          </a:xfrm>
-          <a:prstGeom prst="roundRect">
-            <a:avLst/>
-          </a:prstGeom>
-          <a:solidFill>
-            <a:schemeClr val="accent6">
-              <a:lumMod val="20000"/>
-              <a:lumOff val="80000"/>
-            </a:schemeClr>
-          </a:solidFill>
-        </p:spPr>
-        <p:style>
-          <a:lnRef idx="2">
-            <a:schemeClr val="accent1">
-              <a:shade val="15000"/>
-            </a:schemeClr>
-          </a:lnRef>
-          <a:fillRef idx="1">
-            <a:schemeClr val="accent1"/>
-          </a:fillRef>
-          <a:effectRef idx="0">
-            <a:schemeClr val="accent1"/>
-          </a:effectRef>
-          <a:fontRef idx="minor">
-            <a:schemeClr val="lt1"/>
-          </a:fontRef>
-        </p:style>
-        <p:txBody>
-          <a:bodyPr rtlCol="0" anchor="ctr"/>
-          <a:lstStyle/>
-          <a:p>
-            <a:pPr algn="ctr"/>
-            <a:endParaRPr lang="en-FR" dirty="0"/>
-          </a:p>
-        </p:txBody>
-      </p:sp>
-      <p:sp>
-        <p:nvSpPr>
-          <p:cNvPr id="18" name="TextBox 17">
-            <a:extLst>
-              <a:ext uri="{FF2B5EF4-FFF2-40B4-BE49-F238E27FC236}">
-                <a16:creationId xmlns:a16="http://schemas.microsoft.com/office/drawing/2014/main" id="{93B0983B-22BA-F03D-CA5F-FCCBCF7CCCC3}"/>
-              </a:ext>
-            </a:extLst>
-          </p:cNvPr>
-          <p:cNvSpPr txBox="1"/>
-          <p:nvPr/>
-        </p:nvSpPr>
-        <p:spPr>
-          <a:xfrm>
-            <a:off x="7804417" y="1675148"/>
-            <a:ext cx="2569358" cy="461665"/>
-          </a:xfrm>
-          <a:prstGeom prst="rect">
-            <a:avLst/>
-          </a:prstGeom>
-          <a:noFill/>
-        </p:spPr>
-        <p:txBody>
-          <a:bodyPr wrap="none" rtlCol="0">
-            <a:spAutoFit/>
-          </a:bodyPr>
-          <a:lstStyle/>
-          <a:p>
-            <a:r>
-              <a:rPr lang="en-FR" sz="1200" dirty="0"/>
-              <a:t>Satellite Connector</a:t>
-            </a:r>
-          </a:p>
-          <a:p>
-            <a:r>
-              <a:rPr lang="en-FR" sz="1200" b="1" dirty="0"/>
-              <a:t>Satellite Connector User Endpoint</a:t>
-            </a:r>
-          </a:p>
-        </p:txBody>
-      </p:sp>
     </p:spTree>
     <p:extLst>
       <p:ext uri="{BB962C8B-B14F-4D97-AF65-F5344CB8AC3E}">
@@ -8494,7 +8544,7 @@
         <p:spPr>
           <a:xfrm>
             <a:off x="5337467" y="1274677"/>
-            <a:ext cx="4465133" cy="307777"/>
+            <a:ext cx="4551695" cy="307777"/>
           </a:xfrm>
           <a:prstGeom prst="rect">
             <a:avLst/>
@@ -8509,7 +8559,7 @@
           <a:p>
             <a:r>
               <a:rPr lang="en-FR" sz="1400" dirty="0"/>
-              <a:t>The connector is created and ready within a few second</a:t>
+              <a:t>The connector is created and ready within a few seconds</a:t>
             </a:r>
           </a:p>
         </p:txBody>

--- a/satellite/connector/src/slides.pptx
+++ b/satellite/connector/src/slides.pptx
@@ -6667,7 +6667,7 @@
             <a:pPr algn="ctr"/>
             <a:r>
               <a:rPr lang="en-FR" sz="1200" dirty="0"/>
-              <a:t>agent</a:t>
+              <a:t>Agent</a:t>
             </a:r>
           </a:p>
         </p:txBody>
@@ -7087,7 +7087,7 @@
         </p:nvSpPr>
         <p:spPr>
           <a:xfrm>
-            <a:off x="5256349" y="1888554"/>
+            <a:off x="5254527" y="2234304"/>
             <a:ext cx="1032466" cy="816962"/>
           </a:xfrm>
           <a:prstGeom prst="cloud">
@@ -7136,7 +7136,7 @@
         </p:nvSpPr>
         <p:spPr>
           <a:xfrm>
-            <a:off x="5429633" y="2131668"/>
+            <a:off x="5427811" y="2477418"/>
             <a:ext cx="631327" cy="276999"/>
           </a:xfrm>
           <a:prstGeom prst="rect">
@@ -7175,14 +7175,15 @@
           </p:cNvPr>
           <p:cNvCxnSpPr>
             <a:cxnSpLocks/>
+            <a:stCxn id="27" idx="3"/>
             <a:endCxn id="29" idx="1"/>
           </p:cNvCxnSpPr>
           <p:nvPr/>
         </p:nvCxnSpPr>
         <p:spPr>
           <a:xfrm>
-            <a:off x="4699105" y="2270168"/>
-            <a:ext cx="730528" cy="0"/>
+            <a:off x="4699105" y="2255621"/>
+            <a:ext cx="728706" cy="360297"/>
           </a:xfrm>
           <a:prstGeom prst="straightConnector1">
             <a:avLst/>
@@ -7224,15 +7225,114 @@
         </p:nvCxnSpPr>
         <p:spPr>
           <a:xfrm>
-            <a:off x="6060960" y="2270168"/>
-            <a:ext cx="1116488" cy="1084790"/>
+            <a:off x="6059138" y="2615918"/>
+            <a:ext cx="1118310" cy="739040"/>
           </a:xfrm>
           <a:prstGeom prst="bentConnector3">
             <a:avLst>
-              <a:gd name="adj1" fmla="val 35612"/>
+              <a:gd name="adj1" fmla="val 34531"/>
             </a:avLst>
           </a:prstGeom>
           <a:ln>
+            <a:headEnd type="triangle"/>
+            <a:tailEnd type="triangle"/>
+          </a:ln>
+        </p:spPr>
+        <p:style>
+          <a:lnRef idx="2">
+            <a:schemeClr val="accent1"/>
+          </a:lnRef>
+          <a:fillRef idx="0">
+            <a:schemeClr val="accent1"/>
+          </a:fillRef>
+          <a:effectRef idx="1">
+            <a:schemeClr val="accent1"/>
+          </a:effectRef>
+          <a:fontRef idx="minor">
+            <a:schemeClr val="tx1"/>
+          </a:fontRef>
+        </p:style>
+      </p:cxnSp>
+      <p:sp>
+        <p:nvSpPr>
+          <p:cNvPr id="38" name="Rounded Rectangle 37">
+            <a:extLst>
+              <a:ext uri="{FF2B5EF4-FFF2-40B4-BE49-F238E27FC236}">
+                <a16:creationId xmlns:a16="http://schemas.microsoft.com/office/drawing/2014/main" id="{75D309A6-1B1F-95D4-69F4-DF1262436B88}"/>
+              </a:ext>
+            </a:extLst>
+          </p:cNvPr>
+          <p:cNvSpPr/>
+          <p:nvPr/>
+        </p:nvSpPr>
+        <p:spPr>
+          <a:xfrm>
+            <a:off x="4249343" y="1997116"/>
+            <a:ext cx="309001" cy="276999"/>
+          </a:xfrm>
+          <a:prstGeom prst="roundRect">
+            <a:avLst/>
+          </a:prstGeom>
+          <a:solidFill>
+            <a:schemeClr val="accent6">
+              <a:lumMod val="20000"/>
+              <a:lumOff val="80000"/>
+            </a:schemeClr>
+          </a:solidFill>
+        </p:spPr>
+        <p:style>
+          <a:lnRef idx="2">
+            <a:schemeClr val="accent1">
+              <a:shade val="15000"/>
+            </a:schemeClr>
+          </a:lnRef>
+          <a:fillRef idx="1">
+            <a:schemeClr val="accent1"/>
+          </a:fillRef>
+          <a:effectRef idx="0">
+            <a:schemeClr val="accent1"/>
+          </a:effectRef>
+          <a:fontRef idx="minor">
+            <a:schemeClr val="lt1"/>
+          </a:fontRef>
+        </p:style>
+        <p:txBody>
+          <a:bodyPr rtlCol="0" anchor="ctr"/>
+          <a:lstStyle/>
+          <a:p>
+            <a:pPr algn="ctr"/>
+            <a:endParaRPr lang="en-FR" dirty="0"/>
+          </a:p>
+        </p:txBody>
+      </p:sp>
+      <p:cxnSp>
+        <p:nvCxnSpPr>
+          <p:cNvPr id="52" name="Elbow Connector 51">
+            <a:extLst>
+              <a:ext uri="{FF2B5EF4-FFF2-40B4-BE49-F238E27FC236}">
+                <a16:creationId xmlns:a16="http://schemas.microsoft.com/office/drawing/2014/main" id="{EDC07FC7-D972-3A89-0EC4-2B1631B54C96}"/>
+              </a:ext>
+            </a:extLst>
+          </p:cNvPr>
+          <p:cNvCxnSpPr>
+            <a:stCxn id="38" idx="3"/>
+            <a:endCxn id="13" idx="0"/>
+          </p:cNvCxnSpPr>
+          <p:nvPr/>
+        </p:nvCxnSpPr>
+        <p:spPr>
+          <a:xfrm flipV="1">
+            <a:off x="4558344" y="1658497"/>
+            <a:ext cx="2955836" cy="477119"/>
+          </a:xfrm>
+          <a:prstGeom prst="bentConnector4">
+            <a:avLst>
+              <a:gd name="adj1" fmla="val 41134"/>
+              <a:gd name="adj2" fmla="val 134964"/>
+            </a:avLst>
+          </a:prstGeom>
+          <a:ln>
+            <a:prstDash val="sysDot"/>
             <a:headEnd type="triangle"/>
             <a:tailEnd type="triangle"/>
           </a:ln>

--- a/satellite/connector/src/slides.pptx
+++ b/satellite/connector/src/slides.pptx
@@ -6231,7 +6231,7 @@
         <p:spPr>
           <a:xfrm>
             <a:off x="3521930" y="1239298"/>
-            <a:ext cx="1651999" cy="2051387"/>
+            <a:ext cx="1651999" cy="2719666"/>
           </a:xfrm>
           <a:prstGeom prst="roundRect">
             <a:avLst/>
@@ -6314,8 +6314,8 @@
         </p:nvSpPr>
         <p:spPr>
           <a:xfrm>
-            <a:off x="3996753" y="1938595"/>
-            <a:ext cx="702352" cy="634051"/>
+            <a:off x="3996753" y="1938594"/>
+            <a:ext cx="702352" cy="1416361"/>
           </a:xfrm>
           <a:prstGeom prst="roundRect">
             <a:avLst/>
@@ -6366,7 +6366,7 @@
         </p:nvSpPr>
         <p:spPr>
           <a:xfrm>
-            <a:off x="3819964" y="2555060"/>
+            <a:off x="3831194" y="3441150"/>
             <a:ext cx="1055930" cy="461665"/>
           </a:xfrm>
           <a:prstGeom prst="rect">
@@ -6672,49 +6672,6 @@
           </a:p>
         </p:txBody>
       </p:sp>
-      <p:cxnSp>
-        <p:nvCxnSpPr>
-          <p:cNvPr id="43" name="Straight Arrow Connector 42">
-            <a:extLst>
-              <a:ext uri="{FF2B5EF4-FFF2-40B4-BE49-F238E27FC236}">
-                <a16:creationId xmlns:a16="http://schemas.microsoft.com/office/drawing/2014/main" id="{3B6ED00C-8528-3456-6DA4-F69F4126FC9F}"/>
-              </a:ext>
-            </a:extLst>
-          </p:cNvPr>
-          <p:cNvCxnSpPr>
-            <a:cxnSpLocks/>
-            <a:stCxn id="2" idx="3"/>
-            <a:endCxn id="27" idx="1"/>
-          </p:cNvCxnSpPr>
-          <p:nvPr/>
-        </p:nvCxnSpPr>
-        <p:spPr>
-          <a:xfrm flipV="1">
-            <a:off x="2758569" y="2255621"/>
-            <a:ext cx="1238184" cy="795645"/>
-          </a:xfrm>
-          <a:prstGeom prst="straightConnector1">
-            <a:avLst/>
-          </a:prstGeom>
-          <a:ln>
-            <a:tailEnd type="triangle"/>
-          </a:ln>
-        </p:spPr>
-        <p:style>
-          <a:lnRef idx="2">
-            <a:schemeClr val="accent1"/>
-          </a:lnRef>
-          <a:fillRef idx="0">
-            <a:schemeClr val="accent1"/>
-          </a:fillRef>
-          <a:effectRef idx="1">
-            <a:schemeClr val="accent1"/>
-          </a:effectRef>
-          <a:fontRef idx="minor">
-            <a:schemeClr val="tx1"/>
-          </a:fontRef>
-        </p:style>
-      </p:cxnSp>
       <p:cxnSp>
         <p:nvCxnSpPr>
           <p:cNvPr id="64" name="Straight Arrow Connector 63">
@@ -6982,58 +6939,6 @@
       </p:sp>
       <p:sp>
         <p:nvSpPr>
-          <p:cNvPr id="13" name="Rounded Rectangle 12">
-            <a:extLst>
-              <a:ext uri="{FF2B5EF4-FFF2-40B4-BE49-F238E27FC236}">
-                <a16:creationId xmlns:a16="http://schemas.microsoft.com/office/drawing/2014/main" id="{F61588A1-4BE3-3CC7-EACB-28C1AF8497F2}"/>
-              </a:ext>
-            </a:extLst>
-          </p:cNvPr>
-          <p:cNvSpPr/>
-          <p:nvPr/>
-        </p:nvSpPr>
-        <p:spPr>
-          <a:xfrm>
-            <a:off x="7163004" y="1658497"/>
-            <a:ext cx="702352" cy="589292"/>
-          </a:xfrm>
-          <a:prstGeom prst="roundRect">
-            <a:avLst/>
-          </a:prstGeom>
-          <a:solidFill>
-            <a:schemeClr val="accent6">
-              <a:lumMod val="20000"/>
-              <a:lumOff val="80000"/>
-            </a:schemeClr>
-          </a:solidFill>
-        </p:spPr>
-        <p:style>
-          <a:lnRef idx="2">
-            <a:schemeClr val="accent1">
-              <a:shade val="15000"/>
-            </a:schemeClr>
-          </a:lnRef>
-          <a:fillRef idx="1">
-            <a:schemeClr val="accent1"/>
-          </a:fillRef>
-          <a:effectRef idx="0">
-            <a:schemeClr val="accent1"/>
-          </a:effectRef>
-          <a:fontRef idx="minor">
-            <a:schemeClr val="lt1"/>
-          </a:fontRef>
-        </p:style>
-        <p:txBody>
-          <a:bodyPr rtlCol="0" anchor="ctr"/>
-          <a:lstStyle/>
-          <a:p>
-            <a:pPr algn="ctr"/>
-            <a:endParaRPr lang="en-FR" dirty="0"/>
-          </a:p>
-        </p:txBody>
-      </p:sp>
-      <p:sp>
-        <p:nvSpPr>
           <p:cNvPr id="18" name="TextBox 17">
             <a:extLst>
               <a:ext uri="{FF2B5EF4-FFF2-40B4-BE49-F238E27FC236}">
@@ -7175,15 +7080,14 @@
           </p:cNvPr>
           <p:cNvCxnSpPr>
             <a:cxnSpLocks/>
-            <a:stCxn id="27" idx="3"/>
             <a:endCxn id="29" idx="1"/>
           </p:cNvCxnSpPr>
           <p:nvPr/>
         </p:nvCxnSpPr>
         <p:spPr>
           <a:xfrm>
-            <a:off x="4699105" y="2255621"/>
-            <a:ext cx="728706" cy="360297"/>
+            <a:off x="4552503" y="2201366"/>
+            <a:ext cx="875308" cy="414552"/>
           </a:xfrm>
           <a:prstGeom prst="straightConnector1">
             <a:avLst/>
@@ -7253,58 +7157,6 @@
           </a:fontRef>
         </p:style>
       </p:cxnSp>
-      <p:sp>
-        <p:nvSpPr>
-          <p:cNvPr id="38" name="Rounded Rectangle 37">
-            <a:extLst>
-              <a:ext uri="{FF2B5EF4-FFF2-40B4-BE49-F238E27FC236}">
-                <a16:creationId xmlns:a16="http://schemas.microsoft.com/office/drawing/2014/main" id="{75D309A6-1B1F-95D4-69F4-DF1262436B88}"/>
-              </a:ext>
-            </a:extLst>
-          </p:cNvPr>
-          <p:cNvSpPr/>
-          <p:nvPr/>
-        </p:nvSpPr>
-        <p:spPr>
-          <a:xfrm>
-            <a:off x="4249343" y="1997116"/>
-            <a:ext cx="309001" cy="276999"/>
-          </a:xfrm>
-          <a:prstGeom prst="roundRect">
-            <a:avLst/>
-          </a:prstGeom>
-          <a:solidFill>
-            <a:schemeClr val="accent6">
-              <a:lumMod val="20000"/>
-              <a:lumOff val="80000"/>
-            </a:schemeClr>
-          </a:solidFill>
-        </p:spPr>
-        <p:style>
-          <a:lnRef idx="2">
-            <a:schemeClr val="accent1">
-              <a:shade val="15000"/>
-            </a:schemeClr>
-          </a:lnRef>
-          <a:fillRef idx="1">
-            <a:schemeClr val="accent1"/>
-          </a:fillRef>
-          <a:effectRef idx="0">
-            <a:schemeClr val="accent1"/>
-          </a:effectRef>
-          <a:fontRef idx="minor">
-            <a:schemeClr val="lt1"/>
-          </a:fontRef>
-        </p:style>
-        <p:txBody>
-          <a:bodyPr rtlCol="0" anchor="ctr"/>
-          <a:lstStyle/>
-          <a:p>
-            <a:pPr algn="ctr"/>
-            <a:endParaRPr lang="en-FR" dirty="0"/>
-          </a:p>
-        </p:txBody>
-      </p:sp>
       <p:cxnSp>
         <p:nvCxnSpPr>
           <p:cNvPr id="52" name="Elbow Connector 51">
@@ -7315,7 +7167,7 @@
             </a:extLst>
           </p:cNvPr>
           <p:cNvCxnSpPr>
-            <a:stCxn id="38" idx="3"/>
+            <a:cxnSpLocks/>
             <a:endCxn id="13" idx="0"/>
           </p:cNvCxnSpPr>
           <p:nvPr/>
@@ -7334,6 +7186,432 @@
           <a:ln>
             <a:prstDash val="sysDot"/>
             <a:headEnd type="triangle"/>
+            <a:tailEnd type="none"/>
+          </a:ln>
+        </p:spPr>
+        <p:style>
+          <a:lnRef idx="2">
+            <a:schemeClr val="accent1"/>
+          </a:lnRef>
+          <a:fillRef idx="0">
+            <a:schemeClr val="accent1"/>
+          </a:fillRef>
+          <a:effectRef idx="1">
+            <a:schemeClr val="accent1"/>
+          </a:effectRef>
+          <a:fontRef idx="minor">
+            <a:schemeClr val="tx1"/>
+          </a:fontRef>
+        </p:style>
+      </p:cxnSp>
+      <p:grpSp>
+        <p:nvGrpSpPr>
+          <p:cNvPr id="65" name="Group 64">
+            <a:extLst>
+              <a:ext uri="{FF2B5EF4-FFF2-40B4-BE49-F238E27FC236}">
+                <a16:creationId xmlns:a16="http://schemas.microsoft.com/office/drawing/2014/main" id="{01F71644-44A7-4F25-1C5D-6EFC67969E1F}"/>
+              </a:ext>
+            </a:extLst>
+          </p:cNvPr>
+          <p:cNvGrpSpPr/>
+          <p:nvPr/>
+        </p:nvGrpSpPr>
+        <p:grpSpPr>
+          <a:xfrm>
+            <a:off x="7163004" y="1658497"/>
+            <a:ext cx="702352" cy="589292"/>
+            <a:chOff x="7163004" y="1658497"/>
+            <a:chExt cx="702352" cy="589292"/>
+          </a:xfrm>
+        </p:grpSpPr>
+        <p:sp>
+          <p:nvSpPr>
+            <p:cNvPr id="13" name="Rounded Rectangle 12">
+              <a:extLst>
+                <a:ext uri="{FF2B5EF4-FFF2-40B4-BE49-F238E27FC236}">
+                  <a16:creationId xmlns:a16="http://schemas.microsoft.com/office/drawing/2014/main" id="{F61588A1-4BE3-3CC7-EACB-28C1AF8497F2}"/>
+                </a:ext>
+              </a:extLst>
+            </p:cNvPr>
+            <p:cNvSpPr/>
+            <p:nvPr/>
+          </p:nvSpPr>
+          <p:spPr>
+            <a:xfrm>
+              <a:off x="7163004" y="1658497"/>
+              <a:ext cx="702352" cy="589292"/>
+            </a:xfrm>
+            <a:prstGeom prst="roundRect">
+              <a:avLst/>
+            </a:prstGeom>
+            <a:solidFill>
+              <a:schemeClr val="accent6">
+                <a:lumMod val="20000"/>
+                <a:lumOff val="80000"/>
+              </a:schemeClr>
+            </a:solidFill>
+          </p:spPr>
+          <p:style>
+            <a:lnRef idx="2">
+              <a:schemeClr val="accent1">
+                <a:shade val="15000"/>
+              </a:schemeClr>
+            </a:lnRef>
+            <a:fillRef idx="1">
+              <a:schemeClr val="accent1"/>
+            </a:fillRef>
+            <a:effectRef idx="0">
+              <a:schemeClr val="accent1"/>
+            </a:effectRef>
+            <a:fontRef idx="minor">
+              <a:schemeClr val="lt1"/>
+            </a:fontRef>
+          </p:style>
+          <p:txBody>
+            <a:bodyPr rtlCol="0" anchor="ctr"/>
+            <a:lstStyle/>
+            <a:p>
+              <a:pPr algn="ctr"/>
+              <a:endParaRPr lang="en-FR" dirty="0"/>
+            </a:p>
+          </p:txBody>
+        </p:sp>
+        <p:grpSp>
+          <p:nvGrpSpPr>
+            <p:cNvPr id="63" name="Group 62">
+              <a:extLst>
+                <a:ext uri="{FF2B5EF4-FFF2-40B4-BE49-F238E27FC236}">
+                  <a16:creationId xmlns:a16="http://schemas.microsoft.com/office/drawing/2014/main" id="{F07D1D88-390F-730C-4C45-18E7CE7750E5}"/>
+                </a:ext>
+              </a:extLst>
+            </p:cNvPr>
+            <p:cNvGrpSpPr/>
+            <p:nvPr/>
+          </p:nvGrpSpPr>
+          <p:grpSpPr>
+            <a:xfrm>
+              <a:off x="7545371" y="1865505"/>
+              <a:ext cx="227855" cy="227650"/>
+              <a:chOff x="9177979" y="138383"/>
+              <a:chExt cx="227855" cy="227650"/>
+            </a:xfrm>
+          </p:grpSpPr>
+          <p:sp>
+            <p:nvSpPr>
+              <p:cNvPr id="60" name="Oval 59">
+                <a:extLst>
+                  <a:ext uri="{FF2B5EF4-FFF2-40B4-BE49-F238E27FC236}">
+                    <a16:creationId xmlns:a16="http://schemas.microsoft.com/office/drawing/2014/main" id="{3B882F13-B76D-C634-E0C5-AF0411157EE1}"/>
+                  </a:ext>
+                </a:extLst>
+              </p:cNvPr>
+              <p:cNvSpPr/>
+              <p:nvPr/>
+            </p:nvSpPr>
+            <p:spPr>
+              <a:xfrm>
+                <a:off x="9177979" y="138383"/>
+                <a:ext cx="227855" cy="227650"/>
+              </a:xfrm>
+              <a:prstGeom prst="ellipse">
+                <a:avLst/>
+              </a:prstGeom>
+              <a:solidFill>
+                <a:schemeClr val="bg1"/>
+              </a:solidFill>
+            </p:spPr>
+            <p:style>
+              <a:lnRef idx="2">
+                <a:schemeClr val="accent1">
+                  <a:shade val="15000"/>
+                </a:schemeClr>
+              </a:lnRef>
+              <a:fillRef idx="1">
+                <a:schemeClr val="accent1"/>
+              </a:fillRef>
+              <a:effectRef idx="0">
+                <a:schemeClr val="accent1"/>
+              </a:effectRef>
+              <a:fontRef idx="minor">
+                <a:schemeClr val="lt1"/>
+              </a:fontRef>
+            </p:style>
+            <p:txBody>
+              <a:bodyPr rtlCol="0" anchor="ctr"/>
+              <a:lstStyle/>
+              <a:p>
+                <a:pPr algn="ctr"/>
+                <a:endParaRPr lang="en-FR" dirty="0"/>
+              </a:p>
+            </p:txBody>
+          </p:sp>
+          <p:sp>
+            <p:nvSpPr>
+              <p:cNvPr id="62" name="Oval 61">
+                <a:extLst>
+                  <a:ext uri="{FF2B5EF4-FFF2-40B4-BE49-F238E27FC236}">
+                    <a16:creationId xmlns:a16="http://schemas.microsoft.com/office/drawing/2014/main" id="{80B9D39E-E880-F7A0-762B-E908B209FFD9}"/>
+                  </a:ext>
+                </a:extLst>
+              </p:cNvPr>
+              <p:cNvSpPr/>
+              <p:nvPr/>
+            </p:nvSpPr>
+            <p:spPr>
+              <a:xfrm>
+                <a:off x="9269048" y="229349"/>
+                <a:ext cx="45719" cy="45719"/>
+              </a:xfrm>
+              <a:prstGeom prst="ellipse">
+                <a:avLst/>
+              </a:prstGeom>
+              <a:solidFill>
+                <a:schemeClr val="tx1"/>
+              </a:solidFill>
+            </p:spPr>
+            <p:style>
+              <a:lnRef idx="2">
+                <a:schemeClr val="accent1">
+                  <a:shade val="15000"/>
+                </a:schemeClr>
+              </a:lnRef>
+              <a:fillRef idx="1">
+                <a:schemeClr val="accent1"/>
+              </a:fillRef>
+              <a:effectRef idx="0">
+                <a:schemeClr val="accent1"/>
+              </a:effectRef>
+              <a:fontRef idx="minor">
+                <a:schemeClr val="lt1"/>
+              </a:fontRef>
+            </p:style>
+            <p:txBody>
+              <a:bodyPr rtlCol="0" anchor="ctr"/>
+              <a:lstStyle/>
+              <a:p>
+                <a:pPr algn="ctr"/>
+                <a:endParaRPr lang="en-FR"/>
+              </a:p>
+            </p:txBody>
+          </p:sp>
+        </p:grpSp>
+      </p:grpSp>
+      <p:grpSp>
+        <p:nvGrpSpPr>
+          <p:cNvPr id="75" name="Group 74">
+            <a:extLst>
+              <a:ext uri="{FF2B5EF4-FFF2-40B4-BE49-F238E27FC236}">
+                <a16:creationId xmlns:a16="http://schemas.microsoft.com/office/drawing/2014/main" id="{4FB4ECF2-B96E-7F61-9501-47F7B4BF9C10}"/>
+              </a:ext>
+            </a:extLst>
+          </p:cNvPr>
+          <p:cNvGrpSpPr/>
+          <p:nvPr/>
+        </p:nvGrpSpPr>
+        <p:grpSpPr>
+          <a:xfrm>
+            <a:off x="4141126" y="1993906"/>
+            <a:ext cx="423869" cy="414736"/>
+            <a:chOff x="7163004" y="1658497"/>
+            <a:chExt cx="702352" cy="589292"/>
+          </a:xfrm>
+        </p:grpSpPr>
+        <p:sp>
+          <p:nvSpPr>
+            <p:cNvPr id="76" name="Rounded Rectangle 75">
+              <a:extLst>
+                <a:ext uri="{FF2B5EF4-FFF2-40B4-BE49-F238E27FC236}">
+                  <a16:creationId xmlns:a16="http://schemas.microsoft.com/office/drawing/2014/main" id="{DCD028C4-951B-D747-AD1A-A1380A1F6A99}"/>
+                </a:ext>
+              </a:extLst>
+            </p:cNvPr>
+            <p:cNvSpPr/>
+            <p:nvPr/>
+          </p:nvSpPr>
+          <p:spPr>
+            <a:xfrm>
+              <a:off x="7163004" y="1658497"/>
+              <a:ext cx="702352" cy="589292"/>
+            </a:xfrm>
+            <a:prstGeom prst="roundRect">
+              <a:avLst/>
+            </a:prstGeom>
+            <a:solidFill>
+              <a:schemeClr val="accent6">
+                <a:lumMod val="20000"/>
+                <a:lumOff val="80000"/>
+              </a:schemeClr>
+            </a:solidFill>
+          </p:spPr>
+          <p:style>
+            <a:lnRef idx="2">
+              <a:schemeClr val="accent1">
+                <a:shade val="15000"/>
+              </a:schemeClr>
+            </a:lnRef>
+            <a:fillRef idx="1">
+              <a:schemeClr val="accent1"/>
+            </a:fillRef>
+            <a:effectRef idx="0">
+              <a:schemeClr val="accent1"/>
+            </a:effectRef>
+            <a:fontRef idx="minor">
+              <a:schemeClr val="lt1"/>
+            </a:fontRef>
+          </p:style>
+          <p:txBody>
+            <a:bodyPr rtlCol="0" anchor="ctr"/>
+            <a:lstStyle/>
+            <a:p>
+              <a:pPr algn="ctr"/>
+              <a:endParaRPr lang="en-FR" dirty="0"/>
+            </a:p>
+          </p:txBody>
+        </p:sp>
+        <p:grpSp>
+          <p:nvGrpSpPr>
+            <p:cNvPr id="77" name="Group 76">
+              <a:extLst>
+                <a:ext uri="{FF2B5EF4-FFF2-40B4-BE49-F238E27FC236}">
+                  <a16:creationId xmlns:a16="http://schemas.microsoft.com/office/drawing/2014/main" id="{11D9FDA2-B6CC-533C-5565-84EE1EDDAF79}"/>
+                </a:ext>
+              </a:extLst>
+            </p:cNvPr>
+            <p:cNvGrpSpPr/>
+            <p:nvPr/>
+          </p:nvGrpSpPr>
+          <p:grpSpPr>
+            <a:xfrm>
+              <a:off x="7545371" y="1865505"/>
+              <a:ext cx="227855" cy="227650"/>
+              <a:chOff x="9177979" y="138383"/>
+              <a:chExt cx="227855" cy="227650"/>
+            </a:xfrm>
+          </p:grpSpPr>
+          <p:sp>
+            <p:nvSpPr>
+              <p:cNvPr id="78" name="Oval 77">
+                <a:extLst>
+                  <a:ext uri="{FF2B5EF4-FFF2-40B4-BE49-F238E27FC236}">
+                    <a16:creationId xmlns:a16="http://schemas.microsoft.com/office/drawing/2014/main" id="{CE093508-2234-E112-46A1-6FD8820A930C}"/>
+                  </a:ext>
+                </a:extLst>
+              </p:cNvPr>
+              <p:cNvSpPr/>
+              <p:nvPr/>
+            </p:nvSpPr>
+            <p:spPr>
+              <a:xfrm>
+                <a:off x="9177979" y="138383"/>
+                <a:ext cx="227855" cy="227650"/>
+              </a:xfrm>
+              <a:prstGeom prst="ellipse">
+                <a:avLst/>
+              </a:prstGeom>
+              <a:solidFill>
+                <a:schemeClr val="bg1"/>
+              </a:solidFill>
+            </p:spPr>
+            <p:style>
+              <a:lnRef idx="2">
+                <a:schemeClr val="accent1">
+                  <a:shade val="15000"/>
+                </a:schemeClr>
+              </a:lnRef>
+              <a:fillRef idx="1">
+                <a:schemeClr val="accent1"/>
+              </a:fillRef>
+              <a:effectRef idx="0">
+                <a:schemeClr val="accent1"/>
+              </a:effectRef>
+              <a:fontRef idx="minor">
+                <a:schemeClr val="lt1"/>
+              </a:fontRef>
+            </p:style>
+            <p:txBody>
+              <a:bodyPr rtlCol="0" anchor="ctr"/>
+              <a:lstStyle/>
+              <a:p>
+                <a:pPr algn="ctr"/>
+                <a:endParaRPr lang="en-FR" dirty="0"/>
+              </a:p>
+            </p:txBody>
+          </p:sp>
+          <p:sp>
+            <p:nvSpPr>
+              <p:cNvPr id="79" name="Oval 78">
+                <a:extLst>
+                  <a:ext uri="{FF2B5EF4-FFF2-40B4-BE49-F238E27FC236}">
+                    <a16:creationId xmlns:a16="http://schemas.microsoft.com/office/drawing/2014/main" id="{A2BC7C20-46C0-9F5A-223F-03698AB1134E}"/>
+                  </a:ext>
+                </a:extLst>
+              </p:cNvPr>
+              <p:cNvSpPr/>
+              <p:nvPr/>
+            </p:nvSpPr>
+            <p:spPr>
+              <a:xfrm>
+                <a:off x="9269048" y="229349"/>
+                <a:ext cx="45719" cy="45719"/>
+              </a:xfrm>
+              <a:prstGeom prst="ellipse">
+                <a:avLst/>
+              </a:prstGeom>
+              <a:solidFill>
+                <a:schemeClr val="tx1"/>
+              </a:solidFill>
+            </p:spPr>
+            <p:style>
+              <a:lnRef idx="2">
+                <a:schemeClr val="accent1">
+                  <a:shade val="15000"/>
+                </a:schemeClr>
+              </a:lnRef>
+              <a:fillRef idx="1">
+                <a:schemeClr val="accent1"/>
+              </a:fillRef>
+              <a:effectRef idx="0">
+                <a:schemeClr val="accent1"/>
+              </a:effectRef>
+              <a:fontRef idx="minor">
+                <a:schemeClr val="lt1"/>
+              </a:fontRef>
+            </p:style>
+            <p:txBody>
+              <a:bodyPr rtlCol="0" anchor="ctr"/>
+              <a:lstStyle/>
+              <a:p>
+                <a:pPr algn="ctr"/>
+                <a:endParaRPr lang="en-FR"/>
+              </a:p>
+            </p:txBody>
+          </p:sp>
+        </p:grpSp>
+      </p:grpSp>
+      <p:cxnSp>
+        <p:nvCxnSpPr>
+          <p:cNvPr id="43" name="Straight Arrow Connector 42">
+            <a:extLst>
+              <a:ext uri="{FF2B5EF4-FFF2-40B4-BE49-F238E27FC236}">
+                <a16:creationId xmlns:a16="http://schemas.microsoft.com/office/drawing/2014/main" id="{3B6ED00C-8528-3456-6DA4-F69F4126FC9F}"/>
+              </a:ext>
+            </a:extLst>
+          </p:cNvPr>
+          <p:cNvCxnSpPr>
+            <a:cxnSpLocks/>
+            <a:stCxn id="2" idx="3"/>
+          </p:cNvCxnSpPr>
+          <p:nvPr/>
+        </p:nvCxnSpPr>
+        <p:spPr>
+          <a:xfrm flipV="1">
+            <a:off x="2758569" y="2247789"/>
+            <a:ext cx="1604434" cy="803477"/>
+          </a:xfrm>
+          <a:prstGeom prst="straightConnector1">
+            <a:avLst/>
+          </a:prstGeom>
+          <a:ln>
             <a:tailEnd type="triangle"/>
           </a:ln>
         </p:spPr>

--- a/satellite/connector/src/slides.pptx
+++ b/satellite/connector/src/slides.pptx
@@ -274,7 +274,7 @@
           <a:p>
             <a:fld id="{FF98EF0C-D721-9C42-81C2-03ED8D0EB788}" type="datetimeFigureOut">
               <a:rPr lang="en-FR" smtClean="0"/>
-              <a:t>15/05/2024</a:t>
+              <a:t>19/06/2024</a:t>
             </a:fld>
             <a:endParaRPr lang="en-FR"/>
           </a:p>
@@ -474,7 +474,7 @@
           <a:p>
             <a:fld id="{FF98EF0C-D721-9C42-81C2-03ED8D0EB788}" type="datetimeFigureOut">
               <a:rPr lang="en-FR" smtClean="0"/>
-              <a:t>15/05/2024</a:t>
+              <a:t>19/06/2024</a:t>
             </a:fld>
             <a:endParaRPr lang="en-FR"/>
           </a:p>
@@ -684,7 +684,7 @@
           <a:p>
             <a:fld id="{FF98EF0C-D721-9C42-81C2-03ED8D0EB788}" type="datetimeFigureOut">
               <a:rPr lang="en-FR" smtClean="0"/>
-              <a:t>15/05/2024</a:t>
+              <a:t>19/06/2024</a:t>
             </a:fld>
             <a:endParaRPr lang="en-FR"/>
           </a:p>
@@ -884,7 +884,7 @@
           <a:p>
             <a:fld id="{FF98EF0C-D721-9C42-81C2-03ED8D0EB788}" type="datetimeFigureOut">
               <a:rPr lang="en-FR" smtClean="0"/>
-              <a:t>15/05/2024</a:t>
+              <a:t>19/06/2024</a:t>
             </a:fld>
             <a:endParaRPr lang="en-FR"/>
           </a:p>
@@ -1160,7 +1160,7 @@
           <a:p>
             <a:fld id="{FF98EF0C-D721-9C42-81C2-03ED8D0EB788}" type="datetimeFigureOut">
               <a:rPr lang="en-FR" smtClean="0"/>
-              <a:t>15/05/2024</a:t>
+              <a:t>19/06/2024</a:t>
             </a:fld>
             <a:endParaRPr lang="en-FR"/>
           </a:p>
@@ -1428,7 +1428,7 @@
           <a:p>
             <a:fld id="{FF98EF0C-D721-9C42-81C2-03ED8D0EB788}" type="datetimeFigureOut">
               <a:rPr lang="en-FR" smtClean="0"/>
-              <a:t>15/05/2024</a:t>
+              <a:t>19/06/2024</a:t>
             </a:fld>
             <a:endParaRPr lang="en-FR"/>
           </a:p>
@@ -1843,7 +1843,7 @@
           <a:p>
             <a:fld id="{FF98EF0C-D721-9C42-81C2-03ED8D0EB788}" type="datetimeFigureOut">
               <a:rPr lang="en-FR" smtClean="0"/>
-              <a:t>15/05/2024</a:t>
+              <a:t>19/06/2024</a:t>
             </a:fld>
             <a:endParaRPr lang="en-FR"/>
           </a:p>
@@ -1985,7 +1985,7 @@
           <a:p>
             <a:fld id="{FF98EF0C-D721-9C42-81C2-03ED8D0EB788}" type="datetimeFigureOut">
               <a:rPr lang="en-FR" smtClean="0"/>
-              <a:t>15/05/2024</a:t>
+              <a:t>19/06/2024</a:t>
             </a:fld>
             <a:endParaRPr lang="en-FR"/>
           </a:p>
@@ -2098,7 +2098,7 @@
           <a:p>
             <a:fld id="{FF98EF0C-D721-9C42-81C2-03ED8D0EB788}" type="datetimeFigureOut">
               <a:rPr lang="en-FR" smtClean="0"/>
-              <a:t>15/05/2024</a:t>
+              <a:t>19/06/2024</a:t>
             </a:fld>
             <a:endParaRPr lang="en-FR"/>
           </a:p>
@@ -2411,7 +2411,7 @@
           <a:p>
             <a:fld id="{FF98EF0C-D721-9C42-81C2-03ED8D0EB788}" type="datetimeFigureOut">
               <a:rPr lang="en-FR" smtClean="0"/>
-              <a:t>15/05/2024</a:t>
+              <a:t>19/06/2024</a:t>
             </a:fld>
             <a:endParaRPr lang="en-FR"/>
           </a:p>
@@ -2700,7 +2700,7 @@
           <a:p>
             <a:fld id="{FF98EF0C-D721-9C42-81C2-03ED8D0EB788}" type="datetimeFigureOut">
               <a:rPr lang="en-FR" smtClean="0"/>
-              <a:t>15/05/2024</a:t>
+              <a:t>19/06/2024</a:t>
             </a:fld>
             <a:endParaRPr lang="en-FR"/>
           </a:p>
@@ -2943,7 +2943,7 @@
           <a:p>
             <a:fld id="{FF98EF0C-D721-9C42-81C2-03ED8D0EB788}" type="datetimeFigureOut">
               <a:rPr lang="en-FR" smtClean="0"/>
-              <a:t>15/05/2024</a:t>
+              <a:t>19/06/2024</a:t>
             </a:fld>
             <a:endParaRPr lang="en-FR"/>
           </a:p>
@@ -6048,7 +6048,7 @@
         <p:spPr>
           <a:xfrm>
             <a:off x="806513" y="778477"/>
-            <a:ext cx="10578973" cy="4275182"/>
+            <a:ext cx="11028436" cy="4275182"/>
           </a:xfrm>
           <a:prstGeom prst="roundRect">
             <a:avLst/>
@@ -6408,8 +6408,8 @@
         </p:nvSpPr>
         <p:spPr>
           <a:xfrm>
-            <a:off x="6630118" y="1072649"/>
-            <a:ext cx="3875509" cy="3857542"/>
+            <a:off x="6630117" y="1072649"/>
+            <a:ext cx="5061139" cy="3857542"/>
           </a:xfrm>
           <a:prstGeom prst="roundRect">
             <a:avLst/>
@@ -6501,6 +6501,9 @@
           <a:solidFill>
             <a:schemeClr val="bg1"/>
           </a:solidFill>
+          <a:ln>
+            <a:prstDash val="sysDot"/>
+          </a:ln>
         </p:spPr>
         <p:style>
           <a:lnRef idx="2">
@@ -6636,7 +6639,7 @@
         </p:nvSpPr>
         <p:spPr>
           <a:xfrm>
-            <a:off x="7058065" y="3728172"/>
+            <a:off x="7067968" y="3864816"/>
             <a:ext cx="892424" cy="646331"/>
           </a:xfrm>
           <a:prstGeom prst="rect">
@@ -6667,7 +6670,7 @@
             <a:pPr algn="ctr"/>
             <a:r>
               <a:rPr lang="en-FR" sz="1200" dirty="0"/>
-              <a:t>Agent</a:t>
+              <a:t>Agents</a:t>
             </a:r>
           </a:p>
         </p:txBody>
@@ -7093,6 +7096,9 @@
             <a:avLst/>
           </a:prstGeom>
           <a:ln>
+            <a:solidFill>
+              <a:srgbClr val="FF0000"/>
+            </a:solidFill>
             <a:headEnd type="triangle"/>
             <a:tailEnd type="triangle"/>
           </a:ln>
@@ -7138,6 +7144,9 @@
             </a:avLst>
           </a:prstGeom>
           <a:ln>
+            <a:solidFill>
+              <a:srgbClr val="FF0000"/>
+            </a:solidFill>
             <a:headEnd type="triangle"/>
             <a:tailEnd type="triangle"/>
           </a:ln>
@@ -7250,6 +7259,9 @@
                 <a:lumOff val="80000"/>
               </a:schemeClr>
             </a:solidFill>
+            <a:ln>
+              <a:prstDash val="sysDot"/>
+            </a:ln>
           </p:spPr>
           <p:style>
             <a:lnRef idx="2">
@@ -7630,6 +7642,298 @@
           </a:fontRef>
         </p:style>
       </p:cxnSp>
+      <p:cxnSp>
+        <p:nvCxnSpPr>
+          <p:cNvPr id="5" name="Straight Arrow Connector 4">
+            <a:extLst>
+              <a:ext uri="{FF2B5EF4-FFF2-40B4-BE49-F238E27FC236}">
+                <a16:creationId xmlns:a16="http://schemas.microsoft.com/office/drawing/2014/main" id="{1046C770-3465-64E0-F774-8F8AAF32F051}"/>
+              </a:ext>
+            </a:extLst>
+          </p:cNvPr>
+          <p:cNvCxnSpPr>
+            <a:cxnSpLocks/>
+          </p:cNvCxnSpPr>
+          <p:nvPr/>
+        </p:nvCxnSpPr>
+        <p:spPr>
+          <a:xfrm>
+            <a:off x="3353865" y="4599333"/>
+            <a:ext cx="642888" cy="0"/>
+          </a:xfrm>
+          <a:prstGeom prst="straightConnector1">
+            <a:avLst/>
+          </a:prstGeom>
+          <a:ln>
+            <a:tailEnd type="triangle"/>
+          </a:ln>
+        </p:spPr>
+        <p:style>
+          <a:lnRef idx="2">
+            <a:schemeClr val="accent1"/>
+          </a:lnRef>
+          <a:fillRef idx="0">
+            <a:schemeClr val="accent1"/>
+          </a:fillRef>
+          <a:effectRef idx="1">
+            <a:schemeClr val="accent1"/>
+          </a:effectRef>
+          <a:fontRef idx="minor">
+            <a:schemeClr val="tx1"/>
+          </a:fontRef>
+        </p:style>
+      </p:cxnSp>
+      <p:cxnSp>
+        <p:nvCxnSpPr>
+          <p:cNvPr id="8" name="Straight Arrow Connector 7">
+            <a:extLst>
+              <a:ext uri="{FF2B5EF4-FFF2-40B4-BE49-F238E27FC236}">
+                <a16:creationId xmlns:a16="http://schemas.microsoft.com/office/drawing/2014/main" id="{21DB4E0B-0695-30FA-8983-50FC8D9E3715}"/>
+              </a:ext>
+            </a:extLst>
+          </p:cNvPr>
+          <p:cNvCxnSpPr>
+            <a:cxnSpLocks/>
+          </p:cNvCxnSpPr>
+          <p:nvPr/>
+        </p:nvCxnSpPr>
+        <p:spPr>
+          <a:xfrm>
+            <a:off x="3340564" y="4772578"/>
+            <a:ext cx="656189" cy="0"/>
+          </a:xfrm>
+          <a:prstGeom prst="straightConnector1">
+            <a:avLst/>
+          </a:prstGeom>
+          <a:ln>
+            <a:solidFill>
+              <a:srgbClr val="FF0000"/>
+            </a:solidFill>
+            <a:headEnd type="triangle"/>
+            <a:tailEnd type="triangle"/>
+          </a:ln>
+        </p:spPr>
+        <p:style>
+          <a:lnRef idx="2">
+            <a:schemeClr val="accent1"/>
+          </a:lnRef>
+          <a:fillRef idx="0">
+            <a:schemeClr val="accent1"/>
+          </a:fillRef>
+          <a:effectRef idx="1">
+            <a:schemeClr val="accent1"/>
+          </a:effectRef>
+          <a:fontRef idx="minor">
+            <a:schemeClr val="tx1"/>
+          </a:fontRef>
+        </p:style>
+      </p:cxnSp>
+      <p:sp>
+        <p:nvSpPr>
+          <p:cNvPr id="15" name="TextBox 14">
+            <a:extLst>
+              <a:ext uri="{FF2B5EF4-FFF2-40B4-BE49-F238E27FC236}">
+                <a16:creationId xmlns:a16="http://schemas.microsoft.com/office/drawing/2014/main" id="{DFE1B24B-8BB6-CD74-BFFE-ADC808497D72}"/>
+              </a:ext>
+            </a:extLst>
+          </p:cNvPr>
+          <p:cNvSpPr txBox="1"/>
+          <p:nvPr/>
+        </p:nvSpPr>
+        <p:spPr>
+          <a:xfrm>
+            <a:off x="4046439" y="4447010"/>
+            <a:ext cx="1208088" cy="276999"/>
+          </a:xfrm>
+          <a:prstGeom prst="rect">
+            <a:avLst/>
+          </a:prstGeom>
+          <a:noFill/>
+        </p:spPr>
+        <p:txBody>
+          <a:bodyPr wrap="none" rtlCol="0">
+            <a:spAutoFit/>
+          </a:bodyPr>
+          <a:lstStyle/>
+          <a:p>
+            <a:r>
+              <a:rPr lang="en-FR" sz="1200" dirty="0"/>
+              <a:t>private network</a:t>
+            </a:r>
+          </a:p>
+        </p:txBody>
+      </p:sp>
+      <p:sp>
+        <p:nvSpPr>
+          <p:cNvPr id="16" name="TextBox 15">
+            <a:extLst>
+              <a:ext uri="{FF2B5EF4-FFF2-40B4-BE49-F238E27FC236}">
+                <a16:creationId xmlns:a16="http://schemas.microsoft.com/office/drawing/2014/main" id="{8608F741-3398-A967-89CC-05CAAE52E7BF}"/>
+              </a:ext>
+            </a:extLst>
+          </p:cNvPr>
+          <p:cNvSpPr txBox="1"/>
+          <p:nvPr/>
+        </p:nvSpPr>
+        <p:spPr>
+          <a:xfrm>
+            <a:off x="4046439" y="4641721"/>
+            <a:ext cx="2412968" cy="276999"/>
+          </a:xfrm>
+          <a:prstGeom prst="rect">
+            <a:avLst/>
+          </a:prstGeom>
+          <a:noFill/>
+        </p:spPr>
+        <p:txBody>
+          <a:bodyPr wrap="none" rtlCol="0">
+            <a:spAutoFit/>
+          </a:bodyPr>
+          <a:lstStyle/>
+          <a:p>
+            <a:r>
+              <a:rPr lang="en-FR" sz="1200" dirty="0"/>
+              <a:t>public network inside IBM Cloud</a:t>
+            </a:r>
+          </a:p>
+        </p:txBody>
+      </p:sp>
+      <p:sp>
+        <p:nvSpPr>
+          <p:cNvPr id="17" name="Rounded Rectangle 16">
+            <a:extLst>
+              <a:ext uri="{FF2B5EF4-FFF2-40B4-BE49-F238E27FC236}">
+                <a16:creationId xmlns:a16="http://schemas.microsoft.com/office/drawing/2014/main" id="{40B39364-172E-9A87-D0DB-C65B594325EB}"/>
+              </a:ext>
+            </a:extLst>
+          </p:cNvPr>
+          <p:cNvSpPr/>
+          <p:nvPr/>
+        </p:nvSpPr>
+        <p:spPr>
+          <a:xfrm>
+            <a:off x="7329848" y="3190332"/>
+            <a:ext cx="702352" cy="634051"/>
+          </a:xfrm>
+          <a:prstGeom prst="roundRect">
+            <a:avLst/>
+          </a:prstGeom>
+          <a:solidFill>
+            <a:schemeClr val="accent5">
+              <a:lumMod val="20000"/>
+              <a:lumOff val="80000"/>
+            </a:schemeClr>
+          </a:solidFill>
+        </p:spPr>
+        <p:style>
+          <a:lnRef idx="2">
+            <a:schemeClr val="accent1">
+              <a:shade val="15000"/>
+            </a:schemeClr>
+          </a:lnRef>
+          <a:fillRef idx="1">
+            <a:schemeClr val="accent1"/>
+          </a:fillRef>
+          <a:effectRef idx="0">
+            <a:schemeClr val="accent1"/>
+          </a:effectRef>
+          <a:fontRef idx="minor">
+            <a:schemeClr val="lt1"/>
+          </a:fontRef>
+        </p:style>
+        <p:txBody>
+          <a:bodyPr rtlCol="0" anchor="ctr"/>
+          <a:lstStyle/>
+          <a:p>
+            <a:pPr algn="ctr"/>
+            <a:endParaRPr lang="en-FR" dirty="0"/>
+          </a:p>
+        </p:txBody>
+      </p:sp>
+      <p:sp>
+        <p:nvSpPr>
+          <p:cNvPr id="23" name="Rounded Rectangle 22">
+            <a:extLst>
+              <a:ext uri="{FF2B5EF4-FFF2-40B4-BE49-F238E27FC236}">
+                <a16:creationId xmlns:a16="http://schemas.microsoft.com/office/drawing/2014/main" id="{65190352-087B-8253-DBDB-AF7C4CA63A7B}"/>
+              </a:ext>
+            </a:extLst>
+          </p:cNvPr>
+          <p:cNvSpPr/>
+          <p:nvPr/>
+        </p:nvSpPr>
+        <p:spPr>
+          <a:xfrm>
+            <a:off x="10377281" y="2476711"/>
+            <a:ext cx="989480" cy="2295867"/>
+          </a:xfrm>
+          <a:prstGeom prst="roundRect">
+            <a:avLst/>
+          </a:prstGeom>
+          <a:solidFill>
+            <a:schemeClr val="bg1"/>
+          </a:solidFill>
+          <a:ln>
+            <a:solidFill>
+              <a:schemeClr val="tx1"/>
+            </a:solidFill>
+            <a:prstDash val="sysDot"/>
+          </a:ln>
+        </p:spPr>
+        <p:style>
+          <a:lnRef idx="2">
+            <a:schemeClr val="accent1">
+              <a:shade val="15000"/>
+            </a:schemeClr>
+          </a:lnRef>
+          <a:fillRef idx="1">
+            <a:schemeClr val="accent1"/>
+          </a:fillRef>
+          <a:effectRef idx="0">
+            <a:schemeClr val="accent1"/>
+          </a:effectRef>
+          <a:fontRef idx="minor">
+            <a:schemeClr val="lt1"/>
+          </a:fontRef>
+        </p:style>
+        <p:txBody>
+          <a:bodyPr rtlCol="0" anchor="ctr"/>
+          <a:lstStyle/>
+          <a:p>
+            <a:pPr algn="ctr"/>
+            <a:r>
+              <a:rPr lang="en-FR" sz="1100" dirty="0">
+                <a:solidFill>
+                  <a:schemeClr val="tx1"/>
+                </a:solidFill>
+              </a:rPr>
+              <a:t>APIC</a:t>
+            </a:r>
+          </a:p>
+          <a:p>
+            <a:pPr algn="ctr"/>
+            <a:r>
+              <a:rPr lang="en-FR" sz="1100" dirty="0">
+                <a:solidFill>
+                  <a:schemeClr val="tx1"/>
+                </a:solidFill>
+              </a:rPr>
+              <a:t>Reserved </a:t>
+            </a:r>
+          </a:p>
+          <a:p>
+            <a:pPr algn="ctr"/>
+            <a:r>
+              <a:rPr lang="en-FR" sz="1100" dirty="0">
+                <a:solidFill>
+                  <a:schemeClr val="tx1"/>
+                </a:solidFill>
+              </a:rPr>
+              <a:t>Instance </a:t>
+            </a:r>
+          </a:p>
+        </p:txBody>
+      </p:sp>
     </p:spTree>
     <p:extLst>
       <p:ext uri="{BB962C8B-B14F-4D97-AF65-F5344CB8AC3E}">

--- a/satellite/connector/src/slides.pptx
+++ b/satellite/connector/src/slides.pptx
@@ -7930,6 +7930,146 @@
                 </a:solidFill>
               </a:rPr>
               <a:t>Instance </a:t>
+            </a:r>
+          </a:p>
+        </p:txBody>
+      </p:sp>
+      <p:sp>
+        <p:nvSpPr>
+          <p:cNvPr id="24" name="TextBox 23">
+            <a:extLst>
+              <a:ext uri="{FF2B5EF4-FFF2-40B4-BE49-F238E27FC236}">
+                <a16:creationId xmlns:a16="http://schemas.microsoft.com/office/drawing/2014/main" id="{FB6C0550-526A-92F2-F24F-33B8277001F1}"/>
+              </a:ext>
+            </a:extLst>
+          </p:cNvPr>
+          <p:cNvSpPr txBox="1"/>
+          <p:nvPr/>
+        </p:nvSpPr>
+        <p:spPr>
+          <a:xfrm>
+            <a:off x="2095835" y="1268010"/>
+            <a:ext cx="740908" cy="261610"/>
+          </a:xfrm>
+          <a:prstGeom prst="rect">
+            <a:avLst/>
+          </a:prstGeom>
+          <a:noFill/>
+        </p:spPr>
+        <p:txBody>
+          <a:bodyPr wrap="none" rtlCol="0">
+            <a:spAutoFit/>
+          </a:bodyPr>
+          <a:lstStyle/>
+          <a:p>
+            <a:r>
+              <a:rPr lang="en-FR" sz="1100" dirty="0"/>
+              <a:t>Frankfort</a:t>
+            </a:r>
+          </a:p>
+        </p:txBody>
+      </p:sp>
+      <p:sp>
+        <p:nvSpPr>
+          <p:cNvPr id="25" name="TextBox 24">
+            <a:extLst>
+              <a:ext uri="{FF2B5EF4-FFF2-40B4-BE49-F238E27FC236}">
+                <a16:creationId xmlns:a16="http://schemas.microsoft.com/office/drawing/2014/main" id="{9EC05CBC-BA44-15C4-0A45-64D2EFB912E4}"/>
+              </a:ext>
+            </a:extLst>
+          </p:cNvPr>
+          <p:cNvSpPr txBox="1"/>
+          <p:nvPr/>
+        </p:nvSpPr>
+        <p:spPr>
+          <a:xfrm>
+            <a:off x="4380650" y="1239949"/>
+            <a:ext cx="740908" cy="261610"/>
+          </a:xfrm>
+          <a:prstGeom prst="rect">
+            <a:avLst/>
+          </a:prstGeom>
+          <a:noFill/>
+        </p:spPr>
+        <p:txBody>
+          <a:bodyPr wrap="none" rtlCol="0">
+            <a:spAutoFit/>
+          </a:bodyPr>
+          <a:lstStyle/>
+          <a:p>
+            <a:r>
+              <a:rPr lang="en-FR" sz="1100" dirty="0"/>
+              <a:t>Frankfort</a:t>
+            </a:r>
+          </a:p>
+        </p:txBody>
+      </p:sp>
+      <p:sp>
+        <p:nvSpPr>
+          <p:cNvPr id="26" name="TextBox 25">
+            <a:extLst>
+              <a:ext uri="{FF2B5EF4-FFF2-40B4-BE49-F238E27FC236}">
+                <a16:creationId xmlns:a16="http://schemas.microsoft.com/office/drawing/2014/main" id="{914FAC45-2659-EA8D-0FEB-5F234D37DAA8}"/>
+              </a:ext>
+            </a:extLst>
+          </p:cNvPr>
+          <p:cNvSpPr txBox="1"/>
+          <p:nvPr/>
+        </p:nvSpPr>
+        <p:spPr>
+          <a:xfrm>
+            <a:off x="9350884" y="2430985"/>
+            <a:ext cx="740908" cy="261610"/>
+          </a:xfrm>
+          <a:prstGeom prst="rect">
+            <a:avLst/>
+          </a:prstGeom>
+          <a:noFill/>
+        </p:spPr>
+        <p:txBody>
+          <a:bodyPr wrap="none" rtlCol="0">
+            <a:spAutoFit/>
+          </a:bodyPr>
+          <a:lstStyle/>
+          <a:p>
+            <a:r>
+              <a:rPr lang="en-FR" sz="1100" dirty="0"/>
+              <a:t>Frankfort</a:t>
+            </a:r>
+          </a:p>
+        </p:txBody>
+      </p:sp>
+      <p:sp>
+        <p:nvSpPr>
+          <p:cNvPr id="37" name="TextBox 36">
+            <a:extLst>
+              <a:ext uri="{FF2B5EF4-FFF2-40B4-BE49-F238E27FC236}">
+                <a16:creationId xmlns:a16="http://schemas.microsoft.com/office/drawing/2014/main" id="{BE5282B4-6673-99D2-F3AE-C12E43A1B45D}"/>
+              </a:ext>
+            </a:extLst>
+          </p:cNvPr>
+          <p:cNvSpPr txBox="1"/>
+          <p:nvPr/>
+        </p:nvSpPr>
+        <p:spPr>
+          <a:xfrm>
+            <a:off x="10651741" y="2445179"/>
+            <a:ext cx="740908" cy="261610"/>
+          </a:xfrm>
+          <a:prstGeom prst="rect">
+            <a:avLst/>
+          </a:prstGeom>
+          <a:noFill/>
+        </p:spPr>
+        <p:txBody>
+          <a:bodyPr wrap="none" rtlCol="0">
+            <a:spAutoFit/>
+          </a:bodyPr>
+          <a:lstStyle/>
+          <a:p>
+            <a:r>
+              <a:rPr lang="en-FR" sz="1100" dirty="0"/>
+              <a:t>Frankfort</a:t>
             </a:r>
           </a:p>
         </p:txBody>

--- a/satellite/connector/src/slides.pptx
+++ b/satellite/connector/src/slides.pptx
@@ -6279,7 +6279,7 @@
         </p:nvSpPr>
         <p:spPr>
           <a:xfrm>
-            <a:off x="3659447" y="1368075"/>
+            <a:off x="3789347" y="1485253"/>
             <a:ext cx="1127425" cy="276999"/>
           </a:xfrm>
           <a:prstGeom prst="rect">
@@ -7964,7 +7964,7 @@
           <a:p>
             <a:r>
               <a:rPr lang="en-FR" sz="1100" dirty="0"/>
-              <a:t>Frankfort</a:t>
+              <a:t>Frankfurt</a:t>
             </a:r>
           </a:p>
         </p:txBody>
@@ -7999,7 +7999,7 @@
           <a:p>
             <a:r>
               <a:rPr lang="en-FR" sz="1100" dirty="0"/>
-              <a:t>Frankfort</a:t>
+              <a:t>Frankfurt</a:t>
             </a:r>
           </a:p>
         </p:txBody>
@@ -8034,7 +8034,7 @@
           <a:p>
             <a:r>
               <a:rPr lang="en-FR" sz="1100" dirty="0"/>
-              <a:t>Frankfort</a:t>
+              <a:t>Frankfurt</a:t>
             </a:r>
           </a:p>
         </p:txBody>
@@ -8069,7 +8069,7 @@
           <a:p>
             <a:r>
               <a:rPr lang="en-FR" sz="1100" dirty="0"/>
-              <a:t>Frankfort</a:t>
+              <a:t>Frankfurt</a:t>
             </a:r>
           </a:p>
         </p:txBody>
